--- a/diploma/Презентация_Защита_КошаевЕА.pptx
+++ b/diploma/Презентация_Защита_КошаевЕА.pptx
@@ -5,10 +5,10 @@
     <p:sldMasterId id="2147483648" r:id="rId1"/>
   </p:sldMasterIdLst>
   <p:notesMasterIdLst>
-    <p:notesMasterId r:id="rId15"/>
+    <p:notesMasterId r:id="rId16"/>
   </p:notesMasterIdLst>
   <p:handoutMasterIdLst>
-    <p:handoutMasterId r:id="rId16"/>
+    <p:handoutMasterId r:id="rId17"/>
   </p:handoutMasterIdLst>
   <p:sldIdLst>
     <p:sldId id="257" r:id="rId2"/>
@@ -21,9 +21,10 @@
     <p:sldId id="265" r:id="rId9"/>
     <p:sldId id="267" r:id="rId10"/>
     <p:sldId id="269" r:id="rId11"/>
-    <p:sldId id="270" r:id="rId12"/>
-    <p:sldId id="268" r:id="rId13"/>
-    <p:sldId id="271" r:id="rId14"/>
+    <p:sldId id="268" r:id="rId12"/>
+    <p:sldId id="270" r:id="rId13"/>
+    <p:sldId id="272" r:id="rId14"/>
+    <p:sldId id="271" r:id="rId15"/>
   </p:sldIdLst>
   <p:sldSz cx="12192000" cy="6858000"/>
   <p:notesSz cx="6858000" cy="9144000"/>
@@ -130,6 +131,1895 @@
 </p:presentation>
 </file>
 
+<file path=ppt/charts/chart1.xml><?xml version="1.0" encoding="utf-8"?>
+<c:chartSpace xmlns:c="http://schemas.openxmlformats.org/drawingml/2006/chart" xmlns:a="http://schemas.openxmlformats.org/drawingml/2006/main" xmlns:r="http://schemas.openxmlformats.org/officeDocument/2006/relationships" xmlns:c16r2="http://schemas.microsoft.com/office/drawing/2015/06/chart">
+  <c:date1904 val="0"/>
+  <c:lang val="ru-RU"/>
+  <c:roundedCorners val="0"/>
+  <mc:AlternateContent xmlns:mc="http://schemas.openxmlformats.org/markup-compatibility/2006">
+    <mc:Choice xmlns:c14="http://schemas.microsoft.com/office/drawing/2007/8/2/chart" Requires="c14">
+      <c14:style val="102"/>
+    </mc:Choice>
+    <mc:Fallback>
+      <c:style val="2"/>
+    </mc:Fallback>
+  </mc:AlternateContent>
+  <c:chart>
+    <c:title>
+      <c:tx>
+        <c:rich>
+          <a:bodyPr rot="0" spcFirstLastPara="1" vertOverflow="ellipsis" vert="horz" wrap="square" anchor="ctr" anchorCtr="1"/>
+          <a:lstStyle/>
+          <a:p>
+            <a:pPr>
+              <a:defRPr sz="1862" b="0" i="0" u="none" strike="noStrike" kern="1200" spc="0" baseline="0">
+                <a:solidFill>
+                  <a:schemeClr val="tx1">
+                    <a:lumMod val="65000"/>
+                    <a:lumOff val="35000"/>
+                  </a:schemeClr>
+                </a:solidFill>
+                <a:latin typeface="+mn-lt"/>
+                <a:ea typeface="+mn-ea"/>
+                <a:cs typeface="+mn-cs"/>
+              </a:defRPr>
+            </a:pPr>
+            <a:r>
+              <a:rPr lang="ru-RU" sz="1800" dirty="0">
+                <a:solidFill>
+                  <a:schemeClr val="tx1"/>
+                </a:solidFill>
+                <a:latin typeface="Times New Roman" panose="02020603050405020304" pitchFamily="18" charset="0"/>
+                <a:cs typeface="Times New Roman" panose="02020603050405020304" pitchFamily="18" charset="0"/>
+              </a:rPr>
+              <a:t>Случаи инвалидности по зрению в</a:t>
+            </a:r>
+            <a:r>
+              <a:rPr lang="ru-RU" sz="1800" baseline="0" dirty="0">
+                <a:solidFill>
+                  <a:schemeClr val="tx1"/>
+                </a:solidFill>
+                <a:latin typeface="Times New Roman" panose="02020603050405020304" pitchFamily="18" charset="0"/>
+                <a:cs typeface="Times New Roman" panose="02020603050405020304" pitchFamily="18" charset="0"/>
+              </a:rPr>
+              <a:t> России</a:t>
+            </a:r>
+            <a:endParaRPr lang="ru-RU" sz="1800" dirty="0">
+              <a:solidFill>
+                <a:schemeClr val="tx1"/>
+              </a:solidFill>
+              <a:latin typeface="Times New Roman" panose="02020603050405020304" pitchFamily="18" charset="0"/>
+              <a:cs typeface="Times New Roman" panose="02020603050405020304" pitchFamily="18" charset="0"/>
+            </a:endParaRPr>
+          </a:p>
+        </c:rich>
+      </c:tx>
+      <c:layout>
+        <c:manualLayout>
+          <c:xMode val="edge"/>
+          <c:yMode val="edge"/>
+          <c:x val="0.1462699893145149"/>
+          <c:y val="7.1667023071257163E-2"/>
+        </c:manualLayout>
+      </c:layout>
+      <c:overlay val="0"/>
+      <c:spPr>
+        <a:noFill/>
+        <a:ln>
+          <a:noFill/>
+        </a:ln>
+        <a:effectLst/>
+      </c:spPr>
+      <c:txPr>
+        <a:bodyPr rot="0" spcFirstLastPara="1" vertOverflow="ellipsis" vert="horz" wrap="square" anchor="ctr" anchorCtr="1"/>
+        <a:lstStyle/>
+        <a:p>
+          <a:pPr>
+            <a:defRPr sz="1862" b="0" i="0" u="none" strike="noStrike" kern="1200" spc="0" baseline="0">
+              <a:solidFill>
+                <a:schemeClr val="tx1">
+                  <a:lumMod val="65000"/>
+                  <a:lumOff val="35000"/>
+                </a:schemeClr>
+              </a:solidFill>
+              <a:latin typeface="+mn-lt"/>
+              <a:ea typeface="+mn-ea"/>
+              <a:cs typeface="+mn-cs"/>
+            </a:defRPr>
+          </a:pPr>
+          <a:endParaRPr lang="ru-RU"/>
+        </a:p>
+      </c:txPr>
+    </c:title>
+    <c:autoTitleDeleted val="0"/>
+    <c:view3D>
+      <c:rotX val="30"/>
+      <c:rotY val="0"/>
+      <c:depthPercent val="100"/>
+      <c:rAngAx val="0"/>
+    </c:view3D>
+    <c:floor>
+      <c:thickness val="0"/>
+      <c:spPr>
+        <a:noFill/>
+        <a:ln>
+          <a:noFill/>
+        </a:ln>
+        <a:effectLst/>
+        <a:sp3d/>
+      </c:spPr>
+    </c:floor>
+    <c:sideWall>
+      <c:thickness val="0"/>
+      <c:spPr>
+        <a:noFill/>
+        <a:ln>
+          <a:noFill/>
+        </a:ln>
+        <a:effectLst/>
+        <a:sp3d/>
+      </c:spPr>
+    </c:sideWall>
+    <c:backWall>
+      <c:thickness val="0"/>
+      <c:spPr>
+        <a:noFill/>
+        <a:ln>
+          <a:noFill/>
+        </a:ln>
+        <a:effectLst/>
+        <a:sp3d/>
+      </c:spPr>
+    </c:backWall>
+    <c:plotArea>
+      <c:layout/>
+      <c:pie3DChart>
+        <c:varyColors val="1"/>
+        <c:ser>
+          <c:idx val="0"/>
+          <c:order val="0"/>
+          <c:tx>
+            <c:strRef>
+              <c:f>Лист1!$B$1</c:f>
+              <c:strCache>
+                <c:ptCount val="1"/>
+                <c:pt idx="0">
+                  <c:v>Случаи инвалидности по зрению</c:v>
+                </c:pt>
+              </c:strCache>
+            </c:strRef>
+          </c:tx>
+          <c:explosion val="39"/>
+          <c:dPt>
+            <c:idx val="0"/>
+            <c:bubble3D val="0"/>
+            <c:spPr>
+              <a:solidFill>
+                <a:srgbClr val="FF0000"/>
+              </a:solidFill>
+              <a:ln w="25400">
+                <a:solidFill>
+                  <a:schemeClr val="lt1"/>
+                </a:solidFill>
+              </a:ln>
+              <a:effectLst/>
+              <a:sp3d contourW="25400">
+                <a:contourClr>
+                  <a:schemeClr val="lt1"/>
+                </a:contourClr>
+              </a:sp3d>
+            </c:spPr>
+            <c:extLst>
+              <c:ext xmlns:c16="http://schemas.microsoft.com/office/drawing/2014/chart" uri="{C3380CC4-5D6E-409C-BE32-E72D297353CC}">
+                <c16:uniqueId val="{00000002-36B9-40DB-96DF-A19ACA3C043A}"/>
+              </c:ext>
+            </c:extLst>
+          </c:dPt>
+          <c:dPt>
+            <c:idx val="1"/>
+            <c:bubble3D val="0"/>
+            <c:spPr>
+              <a:solidFill>
+                <a:srgbClr val="0070C0"/>
+              </a:solidFill>
+              <a:ln w="25400">
+                <a:solidFill>
+                  <a:schemeClr val="lt1"/>
+                </a:solidFill>
+              </a:ln>
+              <a:effectLst/>
+              <a:sp3d contourW="25400">
+                <a:contourClr>
+                  <a:schemeClr val="lt1"/>
+                </a:contourClr>
+              </a:sp3d>
+            </c:spPr>
+            <c:extLst>
+              <c:ext xmlns:c16="http://schemas.microsoft.com/office/drawing/2014/chart" uri="{C3380CC4-5D6E-409C-BE32-E72D297353CC}">
+                <c16:uniqueId val="{00000003-36B9-40DB-96DF-A19ACA3C043A}"/>
+              </c:ext>
+            </c:extLst>
+          </c:dPt>
+          <c:cat>
+            <c:strRef>
+              <c:f>Лист1!$A$2:$A$3</c:f>
+              <c:strCache>
+                <c:ptCount val="2"/>
+                <c:pt idx="0">
+                  <c:v>Заболевания сетчатки</c:v>
+                </c:pt>
+                <c:pt idx="1">
+                  <c:v>Другие заболевания</c:v>
+                </c:pt>
+              </c:strCache>
+            </c:strRef>
+          </c:cat>
+          <c:val>
+            <c:numRef>
+              <c:f>Лист1!$B$2:$B$3</c:f>
+              <c:numCache>
+                <c:formatCode>General</c:formatCode>
+                <c:ptCount val="2"/>
+                <c:pt idx="0">
+                  <c:v>25</c:v>
+                </c:pt>
+                <c:pt idx="1">
+                  <c:v>75</c:v>
+                </c:pt>
+              </c:numCache>
+            </c:numRef>
+          </c:val>
+          <c:extLst>
+            <c:ext xmlns:c16="http://schemas.microsoft.com/office/drawing/2014/chart" uri="{C3380CC4-5D6E-409C-BE32-E72D297353CC}">
+              <c16:uniqueId val="{00000000-36B9-40DB-96DF-A19ACA3C043A}"/>
+            </c:ext>
+          </c:extLst>
+        </c:ser>
+        <c:dLbls>
+          <c:showLegendKey val="0"/>
+          <c:showVal val="0"/>
+          <c:showCatName val="0"/>
+          <c:showSerName val="0"/>
+          <c:showPercent val="0"/>
+          <c:showBubbleSize val="0"/>
+          <c:showLeaderLines val="1"/>
+        </c:dLbls>
+      </c:pie3DChart>
+      <c:spPr>
+        <a:noFill/>
+        <a:ln>
+          <a:noFill/>
+        </a:ln>
+        <a:effectLst/>
+      </c:spPr>
+    </c:plotArea>
+    <c:legend>
+      <c:legendPos val="b"/>
+      <c:legendEntry>
+        <c:idx val="0"/>
+        <c:txPr>
+          <a:bodyPr rot="0" spcFirstLastPara="1" vertOverflow="ellipsis" vert="horz" wrap="square" anchor="ctr" anchorCtr="1"/>
+          <a:lstStyle/>
+          <a:p>
+            <a:pPr>
+              <a:defRPr sz="1197" b="0" i="0" u="none" strike="noStrike" kern="1200" baseline="0">
+                <a:solidFill>
+                  <a:schemeClr val="tx1">
+                    <a:lumMod val="65000"/>
+                    <a:lumOff val="35000"/>
+                  </a:schemeClr>
+                </a:solidFill>
+                <a:latin typeface="Times New Roman" panose="02020603050405020304" pitchFamily="18" charset="0"/>
+                <a:ea typeface="+mn-ea"/>
+                <a:cs typeface="Times New Roman" panose="02020603050405020304" pitchFamily="18" charset="0"/>
+              </a:defRPr>
+            </a:pPr>
+            <a:endParaRPr lang="ru-RU"/>
+          </a:p>
+        </c:txPr>
+      </c:legendEntry>
+      <c:legendEntry>
+        <c:idx val="1"/>
+        <c:txPr>
+          <a:bodyPr rot="0" spcFirstLastPara="1" vertOverflow="ellipsis" vert="horz" wrap="square" anchor="ctr" anchorCtr="1"/>
+          <a:lstStyle/>
+          <a:p>
+            <a:pPr>
+              <a:defRPr sz="1197" b="0" i="0" u="none" strike="noStrike" kern="1200" baseline="0">
+                <a:solidFill>
+                  <a:schemeClr val="tx1">
+                    <a:lumMod val="65000"/>
+                    <a:lumOff val="35000"/>
+                  </a:schemeClr>
+                </a:solidFill>
+                <a:latin typeface="Times New Roman" panose="02020603050405020304" pitchFamily="18" charset="0"/>
+                <a:ea typeface="+mn-ea"/>
+                <a:cs typeface="Times New Roman" panose="02020603050405020304" pitchFamily="18" charset="0"/>
+              </a:defRPr>
+            </a:pPr>
+            <a:endParaRPr lang="ru-RU"/>
+          </a:p>
+        </c:txPr>
+      </c:legendEntry>
+      <c:overlay val="0"/>
+      <c:spPr>
+        <a:noFill/>
+        <a:ln>
+          <a:noFill/>
+        </a:ln>
+        <a:effectLst/>
+      </c:spPr>
+      <c:txPr>
+        <a:bodyPr rot="0" spcFirstLastPara="1" vertOverflow="ellipsis" vert="horz" wrap="square" anchor="ctr" anchorCtr="1"/>
+        <a:lstStyle/>
+        <a:p>
+          <a:pPr>
+            <a:defRPr sz="1197" b="0" i="0" u="none" strike="noStrike" kern="1200" baseline="0">
+              <a:solidFill>
+                <a:schemeClr val="tx1">
+                  <a:lumMod val="65000"/>
+                  <a:lumOff val="35000"/>
+                </a:schemeClr>
+              </a:solidFill>
+              <a:latin typeface="+mn-lt"/>
+              <a:ea typeface="+mn-ea"/>
+              <a:cs typeface="+mn-cs"/>
+            </a:defRPr>
+          </a:pPr>
+          <a:endParaRPr lang="ru-RU"/>
+        </a:p>
+      </c:txPr>
+    </c:legend>
+    <c:plotVisOnly val="1"/>
+    <c:dispBlanksAs val="gap"/>
+    <c:extLst>
+      <c:ext xmlns:c16r3="http://schemas.microsoft.com/office/drawing/2017/03/chart" uri="{56B9EC1D-385E-4148-901F-78D8002777C0}">
+        <c16r3:dataDisplayOptions16>
+          <c16r3:dispNaAsBlank val="1"/>
+        </c16r3:dataDisplayOptions16>
+      </c:ext>
+    </c:extLst>
+    <c:showDLblsOverMax val="0"/>
+  </c:chart>
+  <c:spPr>
+    <a:noFill/>
+    <a:ln>
+      <a:noFill/>
+    </a:ln>
+    <a:effectLst/>
+  </c:spPr>
+  <c:txPr>
+    <a:bodyPr/>
+    <a:lstStyle/>
+    <a:p>
+      <a:pPr>
+        <a:defRPr/>
+      </a:pPr>
+      <a:endParaRPr lang="ru-RU"/>
+    </a:p>
+  </c:txPr>
+  <c:externalData r:id="rId3">
+    <c:autoUpdate val="0"/>
+  </c:externalData>
+</c:chartSpace>
+</file>
+
+<file path=ppt/charts/chart2.xml><?xml version="1.0" encoding="utf-8"?>
+<c:chartSpace xmlns:c="http://schemas.openxmlformats.org/drawingml/2006/chart" xmlns:a="http://schemas.openxmlformats.org/drawingml/2006/main" xmlns:r="http://schemas.openxmlformats.org/officeDocument/2006/relationships" xmlns:c16r2="http://schemas.microsoft.com/office/drawing/2015/06/chart">
+  <c:date1904 val="0"/>
+  <c:lang val="ru-RU"/>
+  <c:roundedCorners val="0"/>
+  <mc:AlternateContent xmlns:mc="http://schemas.openxmlformats.org/markup-compatibility/2006">
+    <mc:Choice xmlns:c14="http://schemas.microsoft.com/office/drawing/2007/8/2/chart" Requires="c14">
+      <c14:style val="102"/>
+    </mc:Choice>
+    <mc:Fallback>
+      <c:style val="2"/>
+    </mc:Fallback>
+  </mc:AlternateContent>
+  <c:chart>
+    <c:title>
+      <c:tx>
+        <c:rich>
+          <a:bodyPr rot="0" spcFirstLastPara="1" vertOverflow="ellipsis" vert="horz" wrap="square" anchor="ctr" anchorCtr="1"/>
+          <a:lstStyle/>
+          <a:p>
+            <a:pPr>
+              <a:defRPr sz="1862" b="0" i="0" u="none" strike="noStrike" kern="1200" spc="0" baseline="0">
+                <a:solidFill>
+                  <a:schemeClr val="tx1">
+                    <a:lumMod val="65000"/>
+                    <a:lumOff val="35000"/>
+                  </a:schemeClr>
+                </a:solidFill>
+                <a:latin typeface="+mn-lt"/>
+                <a:ea typeface="+mn-ea"/>
+                <a:cs typeface="+mn-cs"/>
+              </a:defRPr>
+            </a:pPr>
+            <a:r>
+              <a:rPr lang="ru-RU" sz="1800" dirty="0">
+                <a:solidFill>
+                  <a:schemeClr val="tx1"/>
+                </a:solidFill>
+                <a:latin typeface="Times New Roman" panose="02020603050405020304" pitchFamily="18" charset="0"/>
+                <a:cs typeface="Times New Roman" panose="02020603050405020304" pitchFamily="18" charset="0"/>
+              </a:rPr>
+              <a:t>Заболевания сетчатки,</a:t>
+            </a:r>
+            <a:r>
+              <a:rPr lang="ru-RU" sz="1800" baseline="0" dirty="0">
+                <a:solidFill>
+                  <a:schemeClr val="tx1"/>
+                </a:solidFill>
+                <a:latin typeface="Times New Roman" panose="02020603050405020304" pitchFamily="18" charset="0"/>
+                <a:cs typeface="Times New Roman" panose="02020603050405020304" pitchFamily="18" charset="0"/>
+              </a:rPr>
+              <a:t> поддающиеся лечению при ранней диагностике</a:t>
+            </a:r>
+            <a:endParaRPr lang="ru-RU" sz="1800" dirty="0">
+              <a:solidFill>
+                <a:schemeClr val="tx1"/>
+              </a:solidFill>
+              <a:latin typeface="Times New Roman" panose="02020603050405020304" pitchFamily="18" charset="0"/>
+              <a:cs typeface="Times New Roman" panose="02020603050405020304" pitchFamily="18" charset="0"/>
+            </a:endParaRPr>
+          </a:p>
+        </c:rich>
+      </c:tx>
+      <c:layout>
+        <c:manualLayout>
+          <c:xMode val="edge"/>
+          <c:yMode val="edge"/>
+          <c:x val="0.17424040665802853"/>
+          <c:y val="6.4556968459779568E-2"/>
+        </c:manualLayout>
+      </c:layout>
+      <c:overlay val="0"/>
+      <c:spPr>
+        <a:noFill/>
+        <a:ln>
+          <a:noFill/>
+        </a:ln>
+        <a:effectLst/>
+      </c:spPr>
+      <c:txPr>
+        <a:bodyPr rot="0" spcFirstLastPara="1" vertOverflow="ellipsis" vert="horz" wrap="square" anchor="ctr" anchorCtr="1"/>
+        <a:lstStyle/>
+        <a:p>
+          <a:pPr>
+            <a:defRPr sz="1862" b="0" i="0" u="none" strike="noStrike" kern="1200" spc="0" baseline="0">
+              <a:solidFill>
+                <a:schemeClr val="tx1">
+                  <a:lumMod val="65000"/>
+                  <a:lumOff val="35000"/>
+                </a:schemeClr>
+              </a:solidFill>
+              <a:latin typeface="+mn-lt"/>
+              <a:ea typeface="+mn-ea"/>
+              <a:cs typeface="+mn-cs"/>
+            </a:defRPr>
+          </a:pPr>
+          <a:endParaRPr lang="ru-RU"/>
+        </a:p>
+      </c:txPr>
+    </c:title>
+    <c:autoTitleDeleted val="0"/>
+    <c:view3D>
+      <c:rotX val="30"/>
+      <c:rotY val="0"/>
+      <c:depthPercent val="100"/>
+      <c:rAngAx val="0"/>
+    </c:view3D>
+    <c:floor>
+      <c:thickness val="0"/>
+      <c:spPr>
+        <a:noFill/>
+        <a:ln>
+          <a:noFill/>
+        </a:ln>
+        <a:effectLst/>
+        <a:sp3d/>
+      </c:spPr>
+    </c:floor>
+    <c:sideWall>
+      <c:thickness val="0"/>
+      <c:spPr>
+        <a:noFill/>
+        <a:ln>
+          <a:noFill/>
+        </a:ln>
+        <a:effectLst/>
+        <a:sp3d/>
+      </c:spPr>
+    </c:sideWall>
+    <c:backWall>
+      <c:thickness val="0"/>
+      <c:spPr>
+        <a:noFill/>
+        <a:ln>
+          <a:noFill/>
+        </a:ln>
+        <a:effectLst/>
+        <a:sp3d/>
+      </c:spPr>
+    </c:backWall>
+    <c:plotArea>
+      <c:layout>
+        <c:manualLayout>
+          <c:layoutTarget val="inner"/>
+          <c:xMode val="edge"/>
+          <c:yMode val="edge"/>
+          <c:x val="4.5569620253164557E-2"/>
+          <c:y val="0.25329116448631162"/>
+          <c:w val="0.94430379746835447"/>
+          <c:h val="0.70317489317002824"/>
+        </c:manualLayout>
+      </c:layout>
+      <c:pie3DChart>
+        <c:varyColors val="1"/>
+        <c:ser>
+          <c:idx val="0"/>
+          <c:order val="0"/>
+          <c:tx>
+            <c:strRef>
+              <c:f>Лист1!$B$1</c:f>
+              <c:strCache>
+                <c:ptCount val="1"/>
+                <c:pt idx="0">
+                  <c:v>Заболевания сетчатки</c:v>
+                </c:pt>
+              </c:strCache>
+            </c:strRef>
+          </c:tx>
+          <c:dPt>
+            <c:idx val="0"/>
+            <c:bubble3D val="0"/>
+            <c:spPr>
+              <a:solidFill>
+                <a:schemeClr val="accent6">
+                  <a:lumMod val="75000"/>
+                </a:schemeClr>
+              </a:solidFill>
+              <a:ln w="25400">
+                <a:solidFill>
+                  <a:schemeClr val="lt1"/>
+                </a:solidFill>
+              </a:ln>
+              <a:effectLst/>
+              <a:sp3d contourW="25400">
+                <a:contourClr>
+                  <a:schemeClr val="lt1"/>
+                </a:contourClr>
+              </a:sp3d>
+            </c:spPr>
+            <c:extLst>
+              <c:ext xmlns:c16="http://schemas.microsoft.com/office/drawing/2014/chart" uri="{C3380CC4-5D6E-409C-BE32-E72D297353CC}">
+                <c16:uniqueId val="{00000003-3C1F-418B-A620-BC7E56CC2FCC}"/>
+              </c:ext>
+            </c:extLst>
+          </c:dPt>
+          <c:dPt>
+            <c:idx val="1"/>
+            <c:bubble3D val="0"/>
+            <c:explosion val="42"/>
+            <c:spPr>
+              <a:solidFill>
+                <a:schemeClr val="tx1">
+                  <a:lumMod val="85000"/>
+                  <a:lumOff val="15000"/>
+                </a:schemeClr>
+              </a:solidFill>
+              <a:ln w="25400">
+                <a:solidFill>
+                  <a:schemeClr val="lt1"/>
+                </a:solidFill>
+              </a:ln>
+              <a:effectLst/>
+              <a:sp3d contourW="25400">
+                <a:contourClr>
+                  <a:schemeClr val="lt1"/>
+                </a:contourClr>
+              </a:sp3d>
+            </c:spPr>
+            <c:extLst>
+              <c:ext xmlns:c16="http://schemas.microsoft.com/office/drawing/2014/chart" uri="{C3380CC4-5D6E-409C-BE32-E72D297353CC}">
+                <c16:uniqueId val="{00000002-3C1F-418B-A620-BC7E56CC2FCC}"/>
+              </c:ext>
+            </c:extLst>
+          </c:dPt>
+          <c:cat>
+            <c:strRef>
+              <c:f>Лист1!$A$2:$A$3</c:f>
+              <c:strCache>
+                <c:ptCount val="2"/>
+                <c:pt idx="0">
+                  <c:v>Возможно вылечить</c:v>
+                </c:pt>
+                <c:pt idx="1">
+                  <c:v>Остальные заболевания</c:v>
+                </c:pt>
+              </c:strCache>
+            </c:strRef>
+          </c:cat>
+          <c:val>
+            <c:numRef>
+              <c:f>Лист1!$B$2:$B$3</c:f>
+              <c:numCache>
+                <c:formatCode>General</c:formatCode>
+                <c:ptCount val="2"/>
+                <c:pt idx="0">
+                  <c:v>80</c:v>
+                </c:pt>
+                <c:pt idx="1">
+                  <c:v>20</c:v>
+                </c:pt>
+              </c:numCache>
+            </c:numRef>
+          </c:val>
+          <c:extLst>
+            <c:ext xmlns:c16="http://schemas.microsoft.com/office/drawing/2014/chart" uri="{C3380CC4-5D6E-409C-BE32-E72D297353CC}">
+              <c16:uniqueId val="{00000000-3C1F-418B-A620-BC7E56CC2FCC}"/>
+            </c:ext>
+          </c:extLst>
+        </c:ser>
+        <c:dLbls>
+          <c:showLegendKey val="0"/>
+          <c:showVal val="0"/>
+          <c:showCatName val="0"/>
+          <c:showSerName val="0"/>
+          <c:showPercent val="0"/>
+          <c:showBubbleSize val="0"/>
+          <c:showLeaderLines val="1"/>
+        </c:dLbls>
+      </c:pie3DChart>
+      <c:spPr>
+        <a:noFill/>
+        <a:ln>
+          <a:noFill/>
+        </a:ln>
+        <a:effectLst/>
+      </c:spPr>
+    </c:plotArea>
+    <c:legend>
+      <c:legendPos val="b"/>
+      <c:legendEntry>
+        <c:idx val="0"/>
+        <c:txPr>
+          <a:bodyPr rot="0" spcFirstLastPara="1" vertOverflow="ellipsis" vert="horz" wrap="square" anchor="ctr" anchorCtr="1"/>
+          <a:lstStyle/>
+          <a:p>
+            <a:pPr>
+              <a:defRPr sz="1197" b="0" i="0" u="none" strike="noStrike" kern="1200" baseline="0">
+                <a:solidFill>
+                  <a:schemeClr val="tx1">
+                    <a:lumMod val="65000"/>
+                    <a:lumOff val="35000"/>
+                  </a:schemeClr>
+                </a:solidFill>
+                <a:latin typeface="Times New Roman" panose="02020603050405020304" pitchFamily="18" charset="0"/>
+                <a:ea typeface="+mn-ea"/>
+                <a:cs typeface="Times New Roman" panose="02020603050405020304" pitchFamily="18" charset="0"/>
+              </a:defRPr>
+            </a:pPr>
+            <a:endParaRPr lang="ru-RU"/>
+          </a:p>
+        </c:txPr>
+      </c:legendEntry>
+      <c:legendEntry>
+        <c:idx val="1"/>
+        <c:txPr>
+          <a:bodyPr rot="0" spcFirstLastPara="1" vertOverflow="ellipsis" vert="horz" wrap="square" anchor="ctr" anchorCtr="1"/>
+          <a:lstStyle/>
+          <a:p>
+            <a:pPr>
+              <a:defRPr sz="1197" b="0" i="0" u="none" strike="noStrike" kern="1200" baseline="0">
+                <a:solidFill>
+                  <a:schemeClr val="tx1">
+                    <a:lumMod val="65000"/>
+                    <a:lumOff val="35000"/>
+                  </a:schemeClr>
+                </a:solidFill>
+                <a:latin typeface="Times New Roman" panose="02020603050405020304" pitchFamily="18" charset="0"/>
+                <a:ea typeface="+mn-ea"/>
+                <a:cs typeface="Times New Roman" panose="02020603050405020304" pitchFamily="18" charset="0"/>
+              </a:defRPr>
+            </a:pPr>
+            <a:endParaRPr lang="ru-RU"/>
+          </a:p>
+        </c:txPr>
+      </c:legendEntry>
+      <c:layout>
+        <c:manualLayout>
+          <c:xMode val="edge"/>
+          <c:yMode val="edge"/>
+          <c:x val="0.13151280773447624"/>
+          <c:y val="0.9045983160169756"/>
+          <c:w val="0.75722754908800971"/>
+          <c:h val="7.2128864019768563E-2"/>
+        </c:manualLayout>
+      </c:layout>
+      <c:overlay val="0"/>
+      <c:spPr>
+        <a:noFill/>
+        <a:ln>
+          <a:noFill/>
+        </a:ln>
+        <a:effectLst/>
+      </c:spPr>
+      <c:txPr>
+        <a:bodyPr rot="0" spcFirstLastPara="1" vertOverflow="ellipsis" vert="horz" wrap="square" anchor="ctr" anchorCtr="1"/>
+        <a:lstStyle/>
+        <a:p>
+          <a:pPr>
+            <a:defRPr sz="1197" b="0" i="0" u="none" strike="noStrike" kern="1200" baseline="0">
+              <a:solidFill>
+                <a:schemeClr val="tx1">
+                  <a:lumMod val="65000"/>
+                  <a:lumOff val="35000"/>
+                </a:schemeClr>
+              </a:solidFill>
+              <a:latin typeface="+mn-lt"/>
+              <a:ea typeface="+mn-ea"/>
+              <a:cs typeface="+mn-cs"/>
+            </a:defRPr>
+          </a:pPr>
+          <a:endParaRPr lang="ru-RU"/>
+        </a:p>
+      </c:txPr>
+    </c:legend>
+    <c:plotVisOnly val="1"/>
+    <c:dispBlanksAs val="gap"/>
+    <c:extLst>
+      <c:ext xmlns:c16r3="http://schemas.microsoft.com/office/drawing/2017/03/chart" uri="{56B9EC1D-385E-4148-901F-78D8002777C0}">
+        <c16r3:dataDisplayOptions16>
+          <c16r3:dispNaAsBlank val="1"/>
+        </c16r3:dataDisplayOptions16>
+      </c:ext>
+    </c:extLst>
+    <c:showDLblsOverMax val="0"/>
+  </c:chart>
+  <c:spPr>
+    <a:noFill/>
+    <a:ln>
+      <a:noFill/>
+    </a:ln>
+    <a:effectLst/>
+  </c:spPr>
+  <c:txPr>
+    <a:bodyPr/>
+    <a:lstStyle/>
+    <a:p>
+      <a:pPr>
+        <a:defRPr/>
+      </a:pPr>
+      <a:endParaRPr lang="ru-RU"/>
+    </a:p>
+  </c:txPr>
+  <c:externalData r:id="rId3">
+    <c:autoUpdate val="0"/>
+  </c:externalData>
+</c:chartSpace>
+</file>
+
+<file path=ppt/charts/colors1.xml><?xml version="1.0" encoding="utf-8"?>
+<cs:colorStyle xmlns:cs="http://schemas.microsoft.com/office/drawing/2012/chartStyle" xmlns:a="http://schemas.openxmlformats.org/drawingml/2006/main" meth="cycle" id="10">
+  <a:schemeClr val="accent1"/>
+  <a:schemeClr val="accent2"/>
+  <a:schemeClr val="accent3"/>
+  <a:schemeClr val="accent4"/>
+  <a:schemeClr val="accent5"/>
+  <a:schemeClr val="accent6"/>
+  <cs:variation/>
+  <cs:variation>
+    <a:lumMod val="60000"/>
+  </cs:variation>
+  <cs:variation>
+    <a:lumMod val="80000"/>
+    <a:lumOff val="20000"/>
+  </cs:variation>
+  <cs:variation>
+    <a:lumMod val="80000"/>
+  </cs:variation>
+  <cs:variation>
+    <a:lumMod val="60000"/>
+    <a:lumOff val="40000"/>
+  </cs:variation>
+  <cs:variation>
+    <a:lumMod val="50000"/>
+  </cs:variation>
+  <cs:variation>
+    <a:lumMod val="70000"/>
+    <a:lumOff val="30000"/>
+  </cs:variation>
+  <cs:variation>
+    <a:lumMod val="70000"/>
+  </cs:variation>
+  <cs:variation>
+    <a:lumMod val="50000"/>
+    <a:lumOff val="50000"/>
+  </cs:variation>
+</cs:colorStyle>
+</file>
+
+<file path=ppt/charts/colors2.xml><?xml version="1.0" encoding="utf-8"?>
+<cs:colorStyle xmlns:cs="http://schemas.microsoft.com/office/drawing/2012/chartStyle" xmlns:a="http://schemas.openxmlformats.org/drawingml/2006/main" meth="cycle" id="10">
+  <a:schemeClr val="accent1"/>
+  <a:schemeClr val="accent2"/>
+  <a:schemeClr val="accent3"/>
+  <a:schemeClr val="accent4"/>
+  <a:schemeClr val="accent5"/>
+  <a:schemeClr val="accent6"/>
+  <cs:variation/>
+  <cs:variation>
+    <a:lumMod val="60000"/>
+  </cs:variation>
+  <cs:variation>
+    <a:lumMod val="80000"/>
+    <a:lumOff val="20000"/>
+  </cs:variation>
+  <cs:variation>
+    <a:lumMod val="80000"/>
+  </cs:variation>
+  <cs:variation>
+    <a:lumMod val="60000"/>
+    <a:lumOff val="40000"/>
+  </cs:variation>
+  <cs:variation>
+    <a:lumMod val="50000"/>
+  </cs:variation>
+  <cs:variation>
+    <a:lumMod val="70000"/>
+    <a:lumOff val="30000"/>
+  </cs:variation>
+  <cs:variation>
+    <a:lumMod val="70000"/>
+  </cs:variation>
+  <cs:variation>
+    <a:lumMod val="50000"/>
+    <a:lumOff val="50000"/>
+  </cs:variation>
+</cs:colorStyle>
+</file>
+
+<file path=ppt/charts/style1.xml><?xml version="1.0" encoding="utf-8"?>
+<cs:chartStyle xmlns:cs="http://schemas.microsoft.com/office/drawing/2012/chartStyle" xmlns:a="http://schemas.openxmlformats.org/drawingml/2006/main" id="262">
+  <cs:axisTitle>
+    <cs:lnRef idx="0"/>
+    <cs:fillRef idx="0"/>
+    <cs:effectRef idx="0"/>
+    <cs:fontRef idx="minor">
+      <a:schemeClr val="tx1">
+        <a:lumMod val="65000"/>
+        <a:lumOff val="35000"/>
+      </a:schemeClr>
+    </cs:fontRef>
+    <cs:defRPr sz="1330" kern="1200"/>
+  </cs:axisTitle>
+  <cs:categoryAxis>
+    <cs:lnRef idx="0"/>
+    <cs:fillRef idx="0"/>
+    <cs:effectRef idx="0"/>
+    <cs:fontRef idx="minor">
+      <a:schemeClr val="tx1">
+        <a:lumMod val="65000"/>
+        <a:lumOff val="35000"/>
+      </a:schemeClr>
+    </cs:fontRef>
+    <cs:spPr>
+      <a:ln w="9525" cap="flat" cmpd="sng" algn="ctr">
+        <a:solidFill>
+          <a:schemeClr val="tx1">
+            <a:lumMod val="15000"/>
+            <a:lumOff val="85000"/>
+          </a:schemeClr>
+        </a:solidFill>
+        <a:round/>
+      </a:ln>
+    </cs:spPr>
+    <cs:defRPr sz="1197" kern="1200"/>
+  </cs:categoryAxis>
+  <cs:chartArea mods="allowNoFillOverride allowNoLineOverride">
+    <cs:lnRef idx="0"/>
+    <cs:fillRef idx="0"/>
+    <cs:effectRef idx="0"/>
+    <cs:fontRef idx="minor">
+      <a:schemeClr val="tx1"/>
+    </cs:fontRef>
+    <cs:spPr>
+      <a:solidFill>
+        <a:schemeClr val="bg1"/>
+      </a:solidFill>
+      <a:ln w="9525" cap="flat" cmpd="sng" algn="ctr">
+        <a:solidFill>
+          <a:schemeClr val="tx1">
+            <a:lumMod val="15000"/>
+            <a:lumOff val="85000"/>
+          </a:schemeClr>
+        </a:solidFill>
+        <a:round/>
+      </a:ln>
+    </cs:spPr>
+    <cs:defRPr sz="1197" kern="1200"/>
+  </cs:chartArea>
+  <cs:dataLabel>
+    <cs:lnRef idx="0"/>
+    <cs:fillRef idx="0"/>
+    <cs:effectRef idx="0"/>
+    <cs:fontRef idx="minor">
+      <a:schemeClr val="tx1">
+        <a:lumMod val="75000"/>
+        <a:lumOff val="25000"/>
+      </a:schemeClr>
+    </cs:fontRef>
+    <cs:defRPr sz="1197" kern="1200"/>
+  </cs:dataLabel>
+  <cs:dataLabelCallout>
+    <cs:lnRef idx="0"/>
+    <cs:fillRef idx="0"/>
+    <cs:effectRef idx="0"/>
+    <cs:fontRef idx="minor">
+      <a:schemeClr val="dk1">
+        <a:lumMod val="65000"/>
+        <a:lumOff val="35000"/>
+      </a:schemeClr>
+    </cs:fontRef>
+    <cs:spPr>
+      <a:solidFill>
+        <a:schemeClr val="lt1"/>
+      </a:solidFill>
+      <a:ln>
+        <a:solidFill>
+          <a:schemeClr val="dk1">
+            <a:lumMod val="25000"/>
+            <a:lumOff val="75000"/>
+          </a:schemeClr>
+        </a:solidFill>
+      </a:ln>
+    </cs:spPr>
+    <cs:defRPr sz="1197" kern="1200"/>
+    <cs:bodyPr rot="0" spcFirstLastPara="1" vertOverflow="clip" horzOverflow="clip" vert="horz" wrap="square" lIns="36576" tIns="18288" rIns="36576" bIns="18288" anchor="ctr" anchorCtr="1">
+      <a:spAutoFit/>
+    </cs:bodyPr>
+  </cs:dataLabelCallout>
+  <cs:dataPoint>
+    <cs:lnRef idx="0"/>
+    <cs:fillRef idx="1">
+      <cs:styleClr val="auto"/>
+    </cs:fillRef>
+    <cs:effectRef idx="0"/>
+    <cs:fontRef idx="minor">
+      <a:schemeClr val="tx1"/>
+    </cs:fontRef>
+    <cs:spPr>
+      <a:ln w="19050">
+        <a:solidFill>
+          <a:schemeClr val="lt1"/>
+        </a:solidFill>
+      </a:ln>
+    </cs:spPr>
+  </cs:dataPoint>
+  <cs:dataPoint3D>
+    <cs:lnRef idx="0"/>
+    <cs:fillRef idx="1">
+      <cs:styleClr val="auto"/>
+    </cs:fillRef>
+    <cs:effectRef idx="0"/>
+    <cs:fontRef idx="minor">
+      <a:schemeClr val="tx1"/>
+    </cs:fontRef>
+    <cs:spPr>
+      <a:ln w="25400">
+        <a:solidFill>
+          <a:schemeClr val="lt1"/>
+        </a:solidFill>
+      </a:ln>
+    </cs:spPr>
+  </cs:dataPoint3D>
+  <cs:dataPointLine>
+    <cs:lnRef idx="0">
+      <cs:styleClr val="auto"/>
+    </cs:lnRef>
+    <cs:fillRef idx="0"/>
+    <cs:effectRef idx="0"/>
+    <cs:fontRef idx="minor">
+      <a:schemeClr val="tx1"/>
+    </cs:fontRef>
+    <cs:spPr>
+      <a:ln w="28575" cap="rnd">
+        <a:solidFill>
+          <a:schemeClr val="phClr"/>
+        </a:solidFill>
+        <a:round/>
+      </a:ln>
+    </cs:spPr>
+  </cs:dataPointLine>
+  <cs:dataPointMarker>
+    <cs:lnRef idx="0">
+      <cs:styleClr val="auto"/>
+    </cs:lnRef>
+    <cs:fillRef idx="1">
+      <cs:styleClr val="auto"/>
+    </cs:fillRef>
+    <cs:effectRef idx="0"/>
+    <cs:fontRef idx="minor">
+      <a:schemeClr val="tx1"/>
+    </cs:fontRef>
+    <cs:spPr>
+      <a:ln w="9525">
+        <a:solidFill>
+          <a:schemeClr val="phClr"/>
+        </a:solidFill>
+      </a:ln>
+    </cs:spPr>
+  </cs:dataPointMarker>
+  <cs:dataPointMarkerLayout symbol="circle" size="5"/>
+  <cs:dataPointWireframe>
+    <cs:lnRef idx="0">
+      <cs:styleClr val="auto"/>
+    </cs:lnRef>
+    <cs:fillRef idx="0"/>
+    <cs:effectRef idx="0"/>
+    <cs:fontRef idx="minor">
+      <a:schemeClr val="tx1"/>
+    </cs:fontRef>
+    <cs:spPr>
+      <a:ln w="9525" cap="rnd">
+        <a:solidFill>
+          <a:schemeClr val="phClr"/>
+        </a:solidFill>
+        <a:round/>
+      </a:ln>
+    </cs:spPr>
+  </cs:dataPointWireframe>
+  <cs:dataTable>
+    <cs:lnRef idx="0"/>
+    <cs:fillRef idx="0"/>
+    <cs:effectRef idx="0"/>
+    <cs:fontRef idx="minor">
+      <a:schemeClr val="tx1">
+        <a:lumMod val="65000"/>
+        <a:lumOff val="35000"/>
+      </a:schemeClr>
+    </cs:fontRef>
+    <cs:spPr>
+      <a:noFill/>
+      <a:ln w="9525" cap="flat" cmpd="sng" algn="ctr">
+        <a:solidFill>
+          <a:schemeClr val="tx1">
+            <a:lumMod val="15000"/>
+            <a:lumOff val="85000"/>
+          </a:schemeClr>
+        </a:solidFill>
+        <a:round/>
+      </a:ln>
+    </cs:spPr>
+    <cs:defRPr sz="1197" kern="1200"/>
+  </cs:dataTable>
+  <cs:downBar>
+    <cs:lnRef idx="0"/>
+    <cs:fillRef idx="0"/>
+    <cs:effectRef idx="0"/>
+    <cs:fontRef idx="minor">
+      <a:schemeClr val="tx1"/>
+    </cs:fontRef>
+    <cs:spPr>
+      <a:solidFill>
+        <a:schemeClr val="dk1">
+          <a:lumMod val="75000"/>
+          <a:lumOff val="25000"/>
+        </a:schemeClr>
+      </a:solidFill>
+      <a:ln w="9525" cap="flat" cmpd="sng" algn="ctr">
+        <a:solidFill>
+          <a:schemeClr val="tx1">
+            <a:lumMod val="65000"/>
+            <a:lumOff val="35000"/>
+          </a:schemeClr>
+        </a:solidFill>
+        <a:round/>
+      </a:ln>
+    </cs:spPr>
+  </cs:downBar>
+  <cs:dropLine>
+    <cs:lnRef idx="0"/>
+    <cs:fillRef idx="0"/>
+    <cs:effectRef idx="0"/>
+    <cs:fontRef idx="minor">
+      <a:schemeClr val="tx1"/>
+    </cs:fontRef>
+    <cs:spPr>
+      <a:ln w="9525" cap="flat" cmpd="sng" algn="ctr">
+        <a:solidFill>
+          <a:schemeClr val="tx1">
+            <a:lumMod val="35000"/>
+            <a:lumOff val="65000"/>
+          </a:schemeClr>
+        </a:solidFill>
+        <a:round/>
+      </a:ln>
+    </cs:spPr>
+  </cs:dropLine>
+  <cs:errorBar>
+    <cs:lnRef idx="0"/>
+    <cs:fillRef idx="0"/>
+    <cs:effectRef idx="0"/>
+    <cs:fontRef idx="minor">
+      <a:schemeClr val="tx1"/>
+    </cs:fontRef>
+    <cs:spPr>
+      <a:ln w="9525" cap="flat" cmpd="sng" algn="ctr">
+        <a:solidFill>
+          <a:schemeClr val="tx1">
+            <a:lumMod val="65000"/>
+            <a:lumOff val="35000"/>
+          </a:schemeClr>
+        </a:solidFill>
+        <a:round/>
+      </a:ln>
+    </cs:spPr>
+  </cs:errorBar>
+  <cs:floor>
+    <cs:lnRef idx="0"/>
+    <cs:fillRef idx="0"/>
+    <cs:effectRef idx="0"/>
+    <cs:fontRef idx="minor">
+      <a:schemeClr val="tx1"/>
+    </cs:fontRef>
+    <cs:spPr>
+      <a:noFill/>
+      <a:ln>
+        <a:noFill/>
+      </a:ln>
+    </cs:spPr>
+  </cs:floor>
+  <cs:gridlineMajor>
+    <cs:lnRef idx="0"/>
+    <cs:fillRef idx="0"/>
+    <cs:effectRef idx="0"/>
+    <cs:fontRef idx="minor">
+      <a:schemeClr val="tx1"/>
+    </cs:fontRef>
+    <cs:spPr>
+      <a:ln w="9525" cap="flat" cmpd="sng" algn="ctr">
+        <a:solidFill>
+          <a:schemeClr val="tx1">
+            <a:lumMod val="15000"/>
+            <a:lumOff val="85000"/>
+          </a:schemeClr>
+        </a:solidFill>
+        <a:round/>
+      </a:ln>
+    </cs:spPr>
+  </cs:gridlineMajor>
+  <cs:gridlineMinor>
+    <cs:lnRef idx="0"/>
+    <cs:fillRef idx="0"/>
+    <cs:effectRef idx="0"/>
+    <cs:fontRef idx="minor">
+      <a:schemeClr val="tx1"/>
+    </cs:fontRef>
+    <cs:spPr>
+      <a:ln w="9525" cap="flat" cmpd="sng" algn="ctr">
+        <a:solidFill>
+          <a:schemeClr val="tx1">
+            <a:lumMod val="5000"/>
+            <a:lumOff val="95000"/>
+          </a:schemeClr>
+        </a:solidFill>
+        <a:round/>
+      </a:ln>
+    </cs:spPr>
+  </cs:gridlineMinor>
+  <cs:hiLoLine>
+    <cs:lnRef idx="0"/>
+    <cs:fillRef idx="0"/>
+    <cs:effectRef idx="0"/>
+    <cs:fontRef idx="minor">
+      <a:schemeClr val="tx1"/>
+    </cs:fontRef>
+    <cs:spPr>
+      <a:ln w="9525" cap="flat" cmpd="sng" algn="ctr">
+        <a:solidFill>
+          <a:schemeClr val="tx1">
+            <a:lumMod val="50000"/>
+            <a:lumOff val="50000"/>
+          </a:schemeClr>
+        </a:solidFill>
+        <a:round/>
+      </a:ln>
+    </cs:spPr>
+  </cs:hiLoLine>
+  <cs:leaderLine>
+    <cs:lnRef idx="0"/>
+    <cs:fillRef idx="0"/>
+    <cs:effectRef idx="0"/>
+    <cs:fontRef idx="minor">
+      <a:schemeClr val="tx1"/>
+    </cs:fontRef>
+    <cs:spPr>
+      <a:ln w="9525" cap="flat" cmpd="sng" algn="ctr">
+        <a:solidFill>
+          <a:schemeClr val="tx1">
+            <a:lumMod val="35000"/>
+            <a:lumOff val="65000"/>
+          </a:schemeClr>
+        </a:solidFill>
+        <a:round/>
+      </a:ln>
+    </cs:spPr>
+  </cs:leaderLine>
+  <cs:legend>
+    <cs:lnRef idx="0"/>
+    <cs:fillRef idx="0"/>
+    <cs:effectRef idx="0"/>
+    <cs:fontRef idx="minor">
+      <a:schemeClr val="tx1">
+        <a:lumMod val="65000"/>
+        <a:lumOff val="35000"/>
+      </a:schemeClr>
+    </cs:fontRef>
+    <cs:defRPr sz="1197" kern="1200"/>
+  </cs:legend>
+  <cs:plotArea mods="allowNoFillOverride allowNoLineOverride">
+    <cs:lnRef idx="0"/>
+    <cs:fillRef idx="0"/>
+    <cs:effectRef idx="0"/>
+    <cs:fontRef idx="minor">
+      <a:schemeClr val="tx1"/>
+    </cs:fontRef>
+  </cs:plotArea>
+  <cs:plotArea3D mods="allowNoFillOverride allowNoLineOverride">
+    <cs:lnRef idx="0"/>
+    <cs:fillRef idx="0"/>
+    <cs:effectRef idx="0"/>
+    <cs:fontRef idx="minor">
+      <a:schemeClr val="tx1"/>
+    </cs:fontRef>
+  </cs:plotArea3D>
+  <cs:seriesAxis>
+    <cs:lnRef idx="0"/>
+    <cs:fillRef idx="0"/>
+    <cs:effectRef idx="0"/>
+    <cs:fontRef idx="minor">
+      <a:schemeClr val="tx1">
+        <a:lumMod val="65000"/>
+        <a:lumOff val="35000"/>
+      </a:schemeClr>
+    </cs:fontRef>
+    <cs:defRPr sz="1197" kern="1200"/>
+  </cs:seriesAxis>
+  <cs:seriesLine>
+    <cs:lnRef idx="0"/>
+    <cs:fillRef idx="0"/>
+    <cs:effectRef idx="0"/>
+    <cs:fontRef idx="minor">
+      <a:schemeClr val="tx1"/>
+    </cs:fontRef>
+    <cs:spPr>
+      <a:ln w="9525" cap="flat" cmpd="sng" algn="ctr">
+        <a:solidFill>
+          <a:schemeClr val="tx1">
+            <a:lumMod val="35000"/>
+            <a:lumOff val="65000"/>
+          </a:schemeClr>
+        </a:solidFill>
+        <a:round/>
+      </a:ln>
+    </cs:spPr>
+  </cs:seriesLine>
+  <cs:title>
+    <cs:lnRef idx="0"/>
+    <cs:fillRef idx="0"/>
+    <cs:effectRef idx="0"/>
+    <cs:fontRef idx="minor">
+      <a:schemeClr val="tx1">
+        <a:lumMod val="65000"/>
+        <a:lumOff val="35000"/>
+      </a:schemeClr>
+    </cs:fontRef>
+    <cs:defRPr sz="1862" b="0" kern="1200" spc="0" baseline="0"/>
+  </cs:title>
+  <cs:trendline>
+    <cs:lnRef idx="0">
+      <cs:styleClr val="auto"/>
+    </cs:lnRef>
+    <cs:fillRef idx="0"/>
+    <cs:effectRef idx="0"/>
+    <cs:fontRef idx="minor">
+      <a:schemeClr val="tx1"/>
+    </cs:fontRef>
+    <cs:spPr>
+      <a:ln w="19050" cap="rnd">
+        <a:solidFill>
+          <a:schemeClr val="phClr"/>
+        </a:solidFill>
+        <a:prstDash val="sysDot"/>
+      </a:ln>
+    </cs:spPr>
+  </cs:trendline>
+  <cs:trendlineLabel>
+    <cs:lnRef idx="0"/>
+    <cs:fillRef idx="0"/>
+    <cs:effectRef idx="0"/>
+    <cs:fontRef idx="minor">
+      <a:schemeClr val="tx1">
+        <a:lumMod val="65000"/>
+        <a:lumOff val="35000"/>
+      </a:schemeClr>
+    </cs:fontRef>
+    <cs:defRPr sz="1197" kern="1200"/>
+  </cs:trendlineLabel>
+  <cs:upBar>
+    <cs:lnRef idx="0"/>
+    <cs:fillRef idx="0"/>
+    <cs:effectRef idx="0"/>
+    <cs:fontRef idx="minor">
+      <a:schemeClr val="tx1"/>
+    </cs:fontRef>
+    <cs:spPr>
+      <a:solidFill>
+        <a:schemeClr val="lt1"/>
+      </a:solidFill>
+      <a:ln w="9525" cap="flat" cmpd="sng" algn="ctr">
+        <a:solidFill>
+          <a:schemeClr val="tx1">
+            <a:lumMod val="65000"/>
+            <a:lumOff val="35000"/>
+          </a:schemeClr>
+        </a:solidFill>
+        <a:round/>
+      </a:ln>
+    </cs:spPr>
+  </cs:upBar>
+  <cs:valueAxis>
+    <cs:lnRef idx="0"/>
+    <cs:fillRef idx="0"/>
+    <cs:effectRef idx="0"/>
+    <cs:fontRef idx="minor">
+      <a:schemeClr val="tx1">
+        <a:lumMod val="65000"/>
+        <a:lumOff val="35000"/>
+      </a:schemeClr>
+    </cs:fontRef>
+    <cs:defRPr sz="1197" kern="1200"/>
+  </cs:valueAxis>
+  <cs:wall>
+    <cs:lnRef idx="0"/>
+    <cs:fillRef idx="0"/>
+    <cs:effectRef idx="0"/>
+    <cs:fontRef idx="minor">
+      <a:schemeClr val="tx1"/>
+    </cs:fontRef>
+    <cs:spPr>
+      <a:noFill/>
+      <a:ln>
+        <a:noFill/>
+      </a:ln>
+    </cs:spPr>
+  </cs:wall>
+</cs:chartStyle>
+</file>
+
+<file path=ppt/charts/style2.xml><?xml version="1.0" encoding="utf-8"?>
+<cs:chartStyle xmlns:cs="http://schemas.microsoft.com/office/drawing/2012/chartStyle" xmlns:a="http://schemas.openxmlformats.org/drawingml/2006/main" id="262">
+  <cs:axisTitle>
+    <cs:lnRef idx="0"/>
+    <cs:fillRef idx="0"/>
+    <cs:effectRef idx="0"/>
+    <cs:fontRef idx="minor">
+      <a:schemeClr val="tx1">
+        <a:lumMod val="65000"/>
+        <a:lumOff val="35000"/>
+      </a:schemeClr>
+    </cs:fontRef>
+    <cs:defRPr sz="1330" kern="1200"/>
+  </cs:axisTitle>
+  <cs:categoryAxis>
+    <cs:lnRef idx="0"/>
+    <cs:fillRef idx="0"/>
+    <cs:effectRef idx="0"/>
+    <cs:fontRef idx="minor">
+      <a:schemeClr val="tx1">
+        <a:lumMod val="65000"/>
+        <a:lumOff val="35000"/>
+      </a:schemeClr>
+    </cs:fontRef>
+    <cs:spPr>
+      <a:ln w="9525" cap="flat" cmpd="sng" algn="ctr">
+        <a:solidFill>
+          <a:schemeClr val="tx1">
+            <a:lumMod val="15000"/>
+            <a:lumOff val="85000"/>
+          </a:schemeClr>
+        </a:solidFill>
+        <a:round/>
+      </a:ln>
+    </cs:spPr>
+    <cs:defRPr sz="1197" kern="1200"/>
+  </cs:categoryAxis>
+  <cs:chartArea mods="allowNoFillOverride allowNoLineOverride">
+    <cs:lnRef idx="0"/>
+    <cs:fillRef idx="0"/>
+    <cs:effectRef idx="0"/>
+    <cs:fontRef idx="minor">
+      <a:schemeClr val="tx1"/>
+    </cs:fontRef>
+    <cs:spPr>
+      <a:solidFill>
+        <a:schemeClr val="bg1"/>
+      </a:solidFill>
+      <a:ln w="9525" cap="flat" cmpd="sng" algn="ctr">
+        <a:solidFill>
+          <a:schemeClr val="tx1">
+            <a:lumMod val="15000"/>
+            <a:lumOff val="85000"/>
+          </a:schemeClr>
+        </a:solidFill>
+        <a:round/>
+      </a:ln>
+    </cs:spPr>
+    <cs:defRPr sz="1197" kern="1200"/>
+  </cs:chartArea>
+  <cs:dataLabel>
+    <cs:lnRef idx="0"/>
+    <cs:fillRef idx="0"/>
+    <cs:effectRef idx="0"/>
+    <cs:fontRef idx="minor">
+      <a:schemeClr val="tx1">
+        <a:lumMod val="75000"/>
+        <a:lumOff val="25000"/>
+      </a:schemeClr>
+    </cs:fontRef>
+    <cs:defRPr sz="1197" kern="1200"/>
+  </cs:dataLabel>
+  <cs:dataLabelCallout>
+    <cs:lnRef idx="0"/>
+    <cs:fillRef idx="0"/>
+    <cs:effectRef idx="0"/>
+    <cs:fontRef idx="minor">
+      <a:schemeClr val="dk1">
+        <a:lumMod val="65000"/>
+        <a:lumOff val="35000"/>
+      </a:schemeClr>
+    </cs:fontRef>
+    <cs:spPr>
+      <a:solidFill>
+        <a:schemeClr val="lt1"/>
+      </a:solidFill>
+      <a:ln>
+        <a:solidFill>
+          <a:schemeClr val="dk1">
+            <a:lumMod val="25000"/>
+            <a:lumOff val="75000"/>
+          </a:schemeClr>
+        </a:solidFill>
+      </a:ln>
+    </cs:spPr>
+    <cs:defRPr sz="1197" kern="1200"/>
+    <cs:bodyPr rot="0" spcFirstLastPara="1" vertOverflow="clip" horzOverflow="clip" vert="horz" wrap="square" lIns="36576" tIns="18288" rIns="36576" bIns="18288" anchor="ctr" anchorCtr="1">
+      <a:spAutoFit/>
+    </cs:bodyPr>
+  </cs:dataLabelCallout>
+  <cs:dataPoint>
+    <cs:lnRef idx="0"/>
+    <cs:fillRef idx="1">
+      <cs:styleClr val="auto"/>
+    </cs:fillRef>
+    <cs:effectRef idx="0"/>
+    <cs:fontRef idx="minor">
+      <a:schemeClr val="tx1"/>
+    </cs:fontRef>
+    <cs:spPr>
+      <a:ln w="19050">
+        <a:solidFill>
+          <a:schemeClr val="lt1"/>
+        </a:solidFill>
+      </a:ln>
+    </cs:spPr>
+  </cs:dataPoint>
+  <cs:dataPoint3D>
+    <cs:lnRef idx="0"/>
+    <cs:fillRef idx="1">
+      <cs:styleClr val="auto"/>
+    </cs:fillRef>
+    <cs:effectRef idx="0"/>
+    <cs:fontRef idx="minor">
+      <a:schemeClr val="tx1"/>
+    </cs:fontRef>
+    <cs:spPr>
+      <a:ln w="25400">
+        <a:solidFill>
+          <a:schemeClr val="lt1"/>
+        </a:solidFill>
+      </a:ln>
+    </cs:spPr>
+  </cs:dataPoint3D>
+  <cs:dataPointLine>
+    <cs:lnRef idx="0">
+      <cs:styleClr val="auto"/>
+    </cs:lnRef>
+    <cs:fillRef idx="0"/>
+    <cs:effectRef idx="0"/>
+    <cs:fontRef idx="minor">
+      <a:schemeClr val="tx1"/>
+    </cs:fontRef>
+    <cs:spPr>
+      <a:ln w="28575" cap="rnd">
+        <a:solidFill>
+          <a:schemeClr val="phClr"/>
+        </a:solidFill>
+        <a:round/>
+      </a:ln>
+    </cs:spPr>
+  </cs:dataPointLine>
+  <cs:dataPointMarker>
+    <cs:lnRef idx="0">
+      <cs:styleClr val="auto"/>
+    </cs:lnRef>
+    <cs:fillRef idx="1">
+      <cs:styleClr val="auto"/>
+    </cs:fillRef>
+    <cs:effectRef idx="0"/>
+    <cs:fontRef idx="minor">
+      <a:schemeClr val="tx1"/>
+    </cs:fontRef>
+    <cs:spPr>
+      <a:ln w="9525">
+        <a:solidFill>
+          <a:schemeClr val="phClr"/>
+        </a:solidFill>
+      </a:ln>
+    </cs:spPr>
+  </cs:dataPointMarker>
+  <cs:dataPointMarkerLayout symbol="circle" size="5"/>
+  <cs:dataPointWireframe>
+    <cs:lnRef idx="0">
+      <cs:styleClr val="auto"/>
+    </cs:lnRef>
+    <cs:fillRef idx="0"/>
+    <cs:effectRef idx="0"/>
+    <cs:fontRef idx="minor">
+      <a:schemeClr val="tx1"/>
+    </cs:fontRef>
+    <cs:spPr>
+      <a:ln w="9525" cap="rnd">
+        <a:solidFill>
+          <a:schemeClr val="phClr"/>
+        </a:solidFill>
+        <a:round/>
+      </a:ln>
+    </cs:spPr>
+  </cs:dataPointWireframe>
+  <cs:dataTable>
+    <cs:lnRef idx="0"/>
+    <cs:fillRef idx="0"/>
+    <cs:effectRef idx="0"/>
+    <cs:fontRef idx="minor">
+      <a:schemeClr val="tx1">
+        <a:lumMod val="65000"/>
+        <a:lumOff val="35000"/>
+      </a:schemeClr>
+    </cs:fontRef>
+    <cs:spPr>
+      <a:noFill/>
+      <a:ln w="9525" cap="flat" cmpd="sng" algn="ctr">
+        <a:solidFill>
+          <a:schemeClr val="tx1">
+            <a:lumMod val="15000"/>
+            <a:lumOff val="85000"/>
+          </a:schemeClr>
+        </a:solidFill>
+        <a:round/>
+      </a:ln>
+    </cs:spPr>
+    <cs:defRPr sz="1197" kern="1200"/>
+  </cs:dataTable>
+  <cs:downBar>
+    <cs:lnRef idx="0"/>
+    <cs:fillRef idx="0"/>
+    <cs:effectRef idx="0"/>
+    <cs:fontRef idx="minor">
+      <a:schemeClr val="tx1"/>
+    </cs:fontRef>
+    <cs:spPr>
+      <a:solidFill>
+        <a:schemeClr val="dk1">
+          <a:lumMod val="75000"/>
+          <a:lumOff val="25000"/>
+        </a:schemeClr>
+      </a:solidFill>
+      <a:ln w="9525" cap="flat" cmpd="sng" algn="ctr">
+        <a:solidFill>
+          <a:schemeClr val="tx1">
+            <a:lumMod val="65000"/>
+            <a:lumOff val="35000"/>
+          </a:schemeClr>
+        </a:solidFill>
+        <a:round/>
+      </a:ln>
+    </cs:spPr>
+  </cs:downBar>
+  <cs:dropLine>
+    <cs:lnRef idx="0"/>
+    <cs:fillRef idx="0"/>
+    <cs:effectRef idx="0"/>
+    <cs:fontRef idx="minor">
+      <a:schemeClr val="tx1"/>
+    </cs:fontRef>
+    <cs:spPr>
+      <a:ln w="9525" cap="flat" cmpd="sng" algn="ctr">
+        <a:solidFill>
+          <a:schemeClr val="tx1">
+            <a:lumMod val="35000"/>
+            <a:lumOff val="65000"/>
+          </a:schemeClr>
+        </a:solidFill>
+        <a:round/>
+      </a:ln>
+    </cs:spPr>
+  </cs:dropLine>
+  <cs:errorBar>
+    <cs:lnRef idx="0"/>
+    <cs:fillRef idx="0"/>
+    <cs:effectRef idx="0"/>
+    <cs:fontRef idx="minor">
+      <a:schemeClr val="tx1"/>
+    </cs:fontRef>
+    <cs:spPr>
+      <a:ln w="9525" cap="flat" cmpd="sng" algn="ctr">
+        <a:solidFill>
+          <a:schemeClr val="tx1">
+            <a:lumMod val="65000"/>
+            <a:lumOff val="35000"/>
+          </a:schemeClr>
+        </a:solidFill>
+        <a:round/>
+      </a:ln>
+    </cs:spPr>
+  </cs:errorBar>
+  <cs:floor>
+    <cs:lnRef idx="0"/>
+    <cs:fillRef idx="0"/>
+    <cs:effectRef idx="0"/>
+    <cs:fontRef idx="minor">
+      <a:schemeClr val="tx1"/>
+    </cs:fontRef>
+    <cs:spPr>
+      <a:noFill/>
+      <a:ln>
+        <a:noFill/>
+      </a:ln>
+    </cs:spPr>
+  </cs:floor>
+  <cs:gridlineMajor>
+    <cs:lnRef idx="0"/>
+    <cs:fillRef idx="0"/>
+    <cs:effectRef idx="0"/>
+    <cs:fontRef idx="minor">
+      <a:schemeClr val="tx1"/>
+    </cs:fontRef>
+    <cs:spPr>
+      <a:ln w="9525" cap="flat" cmpd="sng" algn="ctr">
+        <a:solidFill>
+          <a:schemeClr val="tx1">
+            <a:lumMod val="15000"/>
+            <a:lumOff val="85000"/>
+          </a:schemeClr>
+        </a:solidFill>
+        <a:round/>
+      </a:ln>
+    </cs:spPr>
+  </cs:gridlineMajor>
+  <cs:gridlineMinor>
+    <cs:lnRef idx="0"/>
+    <cs:fillRef idx="0"/>
+    <cs:effectRef idx="0"/>
+    <cs:fontRef idx="minor">
+      <a:schemeClr val="tx1"/>
+    </cs:fontRef>
+    <cs:spPr>
+      <a:ln w="9525" cap="flat" cmpd="sng" algn="ctr">
+        <a:solidFill>
+          <a:schemeClr val="tx1">
+            <a:lumMod val="5000"/>
+            <a:lumOff val="95000"/>
+          </a:schemeClr>
+        </a:solidFill>
+        <a:round/>
+      </a:ln>
+    </cs:spPr>
+  </cs:gridlineMinor>
+  <cs:hiLoLine>
+    <cs:lnRef idx="0"/>
+    <cs:fillRef idx="0"/>
+    <cs:effectRef idx="0"/>
+    <cs:fontRef idx="minor">
+      <a:schemeClr val="tx1"/>
+    </cs:fontRef>
+    <cs:spPr>
+      <a:ln w="9525" cap="flat" cmpd="sng" algn="ctr">
+        <a:solidFill>
+          <a:schemeClr val="tx1">
+            <a:lumMod val="50000"/>
+            <a:lumOff val="50000"/>
+          </a:schemeClr>
+        </a:solidFill>
+        <a:round/>
+      </a:ln>
+    </cs:spPr>
+  </cs:hiLoLine>
+  <cs:leaderLine>
+    <cs:lnRef idx="0"/>
+    <cs:fillRef idx="0"/>
+    <cs:effectRef idx="0"/>
+    <cs:fontRef idx="minor">
+      <a:schemeClr val="tx1"/>
+    </cs:fontRef>
+    <cs:spPr>
+      <a:ln w="9525" cap="flat" cmpd="sng" algn="ctr">
+        <a:solidFill>
+          <a:schemeClr val="tx1">
+            <a:lumMod val="35000"/>
+            <a:lumOff val="65000"/>
+          </a:schemeClr>
+        </a:solidFill>
+        <a:round/>
+      </a:ln>
+    </cs:spPr>
+  </cs:leaderLine>
+  <cs:legend>
+    <cs:lnRef idx="0"/>
+    <cs:fillRef idx="0"/>
+    <cs:effectRef idx="0"/>
+    <cs:fontRef idx="minor">
+      <a:schemeClr val="tx1">
+        <a:lumMod val="65000"/>
+        <a:lumOff val="35000"/>
+      </a:schemeClr>
+    </cs:fontRef>
+    <cs:defRPr sz="1197" kern="1200"/>
+  </cs:legend>
+  <cs:plotArea mods="allowNoFillOverride allowNoLineOverride">
+    <cs:lnRef idx="0"/>
+    <cs:fillRef idx="0"/>
+    <cs:effectRef idx="0"/>
+    <cs:fontRef idx="minor">
+      <a:schemeClr val="tx1"/>
+    </cs:fontRef>
+  </cs:plotArea>
+  <cs:plotArea3D mods="allowNoFillOverride allowNoLineOverride">
+    <cs:lnRef idx="0"/>
+    <cs:fillRef idx="0"/>
+    <cs:effectRef idx="0"/>
+    <cs:fontRef idx="minor">
+      <a:schemeClr val="tx1"/>
+    </cs:fontRef>
+  </cs:plotArea3D>
+  <cs:seriesAxis>
+    <cs:lnRef idx="0"/>
+    <cs:fillRef idx="0"/>
+    <cs:effectRef idx="0"/>
+    <cs:fontRef idx="minor">
+      <a:schemeClr val="tx1">
+        <a:lumMod val="65000"/>
+        <a:lumOff val="35000"/>
+      </a:schemeClr>
+    </cs:fontRef>
+    <cs:defRPr sz="1197" kern="1200"/>
+  </cs:seriesAxis>
+  <cs:seriesLine>
+    <cs:lnRef idx="0"/>
+    <cs:fillRef idx="0"/>
+    <cs:effectRef idx="0"/>
+    <cs:fontRef idx="minor">
+      <a:schemeClr val="tx1"/>
+    </cs:fontRef>
+    <cs:spPr>
+      <a:ln w="9525" cap="flat" cmpd="sng" algn="ctr">
+        <a:solidFill>
+          <a:schemeClr val="tx1">
+            <a:lumMod val="35000"/>
+            <a:lumOff val="65000"/>
+          </a:schemeClr>
+        </a:solidFill>
+        <a:round/>
+      </a:ln>
+    </cs:spPr>
+  </cs:seriesLine>
+  <cs:title>
+    <cs:lnRef idx="0"/>
+    <cs:fillRef idx="0"/>
+    <cs:effectRef idx="0"/>
+    <cs:fontRef idx="minor">
+      <a:schemeClr val="tx1">
+        <a:lumMod val="65000"/>
+        <a:lumOff val="35000"/>
+      </a:schemeClr>
+    </cs:fontRef>
+    <cs:defRPr sz="1862" b="0" kern="1200" spc="0" baseline="0"/>
+  </cs:title>
+  <cs:trendline>
+    <cs:lnRef idx="0">
+      <cs:styleClr val="auto"/>
+    </cs:lnRef>
+    <cs:fillRef idx="0"/>
+    <cs:effectRef idx="0"/>
+    <cs:fontRef idx="minor">
+      <a:schemeClr val="tx1"/>
+    </cs:fontRef>
+    <cs:spPr>
+      <a:ln w="19050" cap="rnd">
+        <a:solidFill>
+          <a:schemeClr val="phClr"/>
+        </a:solidFill>
+        <a:prstDash val="sysDot"/>
+      </a:ln>
+    </cs:spPr>
+  </cs:trendline>
+  <cs:trendlineLabel>
+    <cs:lnRef idx="0"/>
+    <cs:fillRef idx="0"/>
+    <cs:effectRef idx="0"/>
+    <cs:fontRef idx="minor">
+      <a:schemeClr val="tx1">
+        <a:lumMod val="65000"/>
+        <a:lumOff val="35000"/>
+      </a:schemeClr>
+    </cs:fontRef>
+    <cs:defRPr sz="1197" kern="1200"/>
+  </cs:trendlineLabel>
+  <cs:upBar>
+    <cs:lnRef idx="0"/>
+    <cs:fillRef idx="0"/>
+    <cs:effectRef idx="0"/>
+    <cs:fontRef idx="minor">
+      <a:schemeClr val="tx1"/>
+    </cs:fontRef>
+    <cs:spPr>
+      <a:solidFill>
+        <a:schemeClr val="lt1"/>
+      </a:solidFill>
+      <a:ln w="9525" cap="flat" cmpd="sng" algn="ctr">
+        <a:solidFill>
+          <a:schemeClr val="tx1">
+            <a:lumMod val="65000"/>
+            <a:lumOff val="35000"/>
+          </a:schemeClr>
+        </a:solidFill>
+        <a:round/>
+      </a:ln>
+    </cs:spPr>
+  </cs:upBar>
+  <cs:valueAxis>
+    <cs:lnRef idx="0"/>
+    <cs:fillRef idx="0"/>
+    <cs:effectRef idx="0"/>
+    <cs:fontRef idx="minor">
+      <a:schemeClr val="tx1">
+        <a:lumMod val="65000"/>
+        <a:lumOff val="35000"/>
+      </a:schemeClr>
+    </cs:fontRef>
+    <cs:defRPr sz="1197" kern="1200"/>
+  </cs:valueAxis>
+  <cs:wall>
+    <cs:lnRef idx="0"/>
+    <cs:fillRef idx="0"/>
+    <cs:effectRef idx="0"/>
+    <cs:fontRef idx="minor">
+      <a:schemeClr val="tx1"/>
+    </cs:fontRef>
+    <cs:spPr>
+      <a:noFill/>
+      <a:ln>
+        <a:noFill/>
+      </a:ln>
+    </cs:spPr>
+  </cs:wall>
+</cs:chartStyle>
+</file>
+
 <file path=ppt/handoutMasters/handoutMaster1.xml><?xml version="1.0" encoding="utf-8"?>
 <p:handoutMaster xmlns:a="http://schemas.openxmlformats.org/drawingml/2006/main" xmlns:r="http://schemas.openxmlformats.org/officeDocument/2006/relationships" xmlns:p="http://schemas.openxmlformats.org/presentationml/2006/main">
   <p:cSld>
@@ -224,7 +2114,7 @@
           <a:p>
             <a:fld id="{DD044380-516D-4594-9037-BF48B2951702}" type="datetimeFigureOut">
               <a:rPr lang="ru-RU" smtClean="0"/>
-              <a:t>26.05.2025</a:t>
+              <a:t>27.05.2025</a:t>
             </a:fld>
             <a:endParaRPr lang="ru-RU"/>
           </a:p>
@@ -4442,7 +6332,7 @@
           <p:nvPr>
             <p:extLst>
               <p:ext uri="{D42A27DB-BD31-4B8C-83A1-F6EECF244321}">
-                <p14:modId xmlns:p14="http://schemas.microsoft.com/office/powerpoint/2010/main" val="2309609764"/>
+                <p14:modId xmlns:p14="http://schemas.microsoft.com/office/powerpoint/2010/main" val="2632493185"/>
               </p:ext>
             </p:extLst>
           </p:nvPr>
@@ -4614,7 +6504,7 @@
                           <a:latin typeface="Times New Roman" panose="02020603050405020304" pitchFamily="18" charset="0"/>
                           <a:cs typeface="Times New Roman" panose="02020603050405020304" pitchFamily="18" charset="0"/>
                         </a:rPr>
-                        <a:t>Друзы</a:t>
+                        <a:t>Кисты</a:t>
                       </a:r>
                     </a:p>
                   </a:txBody>
@@ -4716,13 +6606,29 @@
                     <a:bodyPr/>
                     <a:lstStyle/>
                     <a:p>
-                      <a:pPr algn="l"/>
+                      <a:pPr marL="0" marR="0" lvl="0" indent="0" algn="l" defTabSz="914400" rtl="0" eaLnBrk="1" fontAlgn="auto" latinLnBrk="0" hangingPunct="1">
+                        <a:lnSpc>
+                          <a:spcPct val="100000"/>
+                        </a:lnSpc>
+                        <a:spcBef>
+                          <a:spcPts val="0"/>
+                        </a:spcBef>
+                        <a:spcAft>
+                          <a:spcPts val="0"/>
+                        </a:spcAft>
+                        <a:buClrTx/>
+                        <a:buSzTx/>
+                        <a:buFontTx/>
+                        <a:buNone/>
+                        <a:tabLst/>
+                        <a:defRPr/>
+                      </a:pPr>
                       <a:r>
                         <a:rPr lang="ru-RU" dirty="0">
                           <a:latin typeface="Times New Roman" panose="02020603050405020304" pitchFamily="18" charset="0"/>
                           <a:cs typeface="Times New Roman" panose="02020603050405020304" pitchFamily="18" charset="0"/>
                         </a:rPr>
-                        <a:t>Кисты</a:t>
+                        <a:t>Ламеллярный разрыв</a:t>
                       </a:r>
                     </a:p>
                   </a:txBody>
@@ -4830,8 +6736,19 @@
                           <a:latin typeface="Times New Roman" panose="02020603050405020304" pitchFamily="18" charset="0"/>
                           <a:cs typeface="Times New Roman" panose="02020603050405020304" pitchFamily="18" charset="0"/>
                         </a:rPr>
-                        <a:t>СГМ</a:t>
+                        <a:t>Отслойка </a:t>
                       </a:r>
+                      <a:r>
+                        <a:rPr lang="ru-RU" dirty="0" err="1">
+                          <a:latin typeface="Times New Roman" panose="02020603050405020304" pitchFamily="18" charset="0"/>
+                          <a:cs typeface="Times New Roman" panose="02020603050405020304" pitchFamily="18" charset="0"/>
+                        </a:rPr>
+                        <a:t>нейроэпителия</a:t>
+                      </a:r>
+                      <a:endParaRPr lang="ru-RU" dirty="0">
+                        <a:latin typeface="Times New Roman" panose="02020603050405020304" pitchFamily="18" charset="0"/>
+                        <a:cs typeface="Times New Roman" panose="02020603050405020304" pitchFamily="18" charset="0"/>
+                      </a:endParaRPr>
                     </a:p>
                   </a:txBody>
                   <a:tcPr anchor="ctr"/>
@@ -4938,19 +6855,8 @@
                           <a:latin typeface="Times New Roman" panose="02020603050405020304" pitchFamily="18" charset="0"/>
                           <a:cs typeface="Times New Roman" panose="02020603050405020304" pitchFamily="18" charset="0"/>
                         </a:rPr>
-                        <a:t>Отслойка </a:t>
+                        <a:t>Друзы</a:t>
                       </a:r>
-                      <a:r>
-                        <a:rPr lang="ru-RU" dirty="0" err="1">
-                          <a:latin typeface="Times New Roman" panose="02020603050405020304" pitchFamily="18" charset="0"/>
-                          <a:cs typeface="Times New Roman" panose="02020603050405020304" pitchFamily="18" charset="0"/>
-                        </a:rPr>
-                        <a:t>нейроэпителия</a:t>
-                      </a:r>
-                      <a:endParaRPr lang="ru-RU" dirty="0">
-                        <a:latin typeface="Times New Roman" panose="02020603050405020304" pitchFamily="18" charset="0"/>
-                        <a:cs typeface="Times New Roman" panose="02020603050405020304" pitchFamily="18" charset="0"/>
-                      </a:endParaRPr>
                     </a:p>
                   </a:txBody>
                   <a:tcPr anchor="ctr"/>
@@ -5053,33 +6959,12 @@
                     <a:p>
                       <a:pPr algn="l"/>
                       <a:r>
-                        <a:rPr lang="ru-RU" sz="1800" kern="1200" dirty="0" err="1">
-                          <a:solidFill>
-                            <a:schemeClr val="dk1"/>
-                          </a:solidFill>
-                          <a:effectLst/>
+                        <a:rPr lang="ru-RU" dirty="0">
                           <a:latin typeface="Times New Roman" panose="02020603050405020304" pitchFamily="18" charset="0"/>
-                          <a:ea typeface="+mn-ea"/>
                           <a:cs typeface="Times New Roman" panose="02020603050405020304" pitchFamily="18" charset="0"/>
                         </a:rPr>
-                        <a:t>Витреомакулярная</a:t>
+                        <a:t>СГМ</a:t>
                       </a:r>
-                      <a:r>
-                        <a:rPr lang="ru-RU" sz="1800" kern="1200" dirty="0">
-                          <a:solidFill>
-                            <a:schemeClr val="dk1"/>
-                          </a:solidFill>
-                          <a:effectLst/>
-                          <a:latin typeface="Times New Roman" panose="02020603050405020304" pitchFamily="18" charset="0"/>
-                          <a:ea typeface="+mn-ea"/>
-                          <a:cs typeface="Times New Roman" panose="02020603050405020304" pitchFamily="18" charset="0"/>
-                        </a:rPr>
-                        <a:t> тракция</a:t>
-                      </a:r>
-                      <a:endParaRPr lang="ru-RU" dirty="0">
-                        <a:latin typeface="Times New Roman" panose="02020603050405020304" pitchFamily="18" charset="0"/>
-                        <a:cs typeface="Times New Roman" panose="02020603050405020304" pitchFamily="18" charset="0"/>
-                      </a:endParaRPr>
                     </a:p>
                   </a:txBody>
                   <a:tcPr anchor="ctr"/>
@@ -5182,12 +7067,33 @@
                     <a:p>
                       <a:pPr algn="l"/>
                       <a:r>
-                        <a:rPr lang="ru-RU" dirty="0">
+                        <a:rPr lang="ru-RU" sz="1800" kern="1200" dirty="0" err="1">
+                          <a:solidFill>
+                            <a:schemeClr val="dk1"/>
+                          </a:solidFill>
+                          <a:effectLst/>
                           <a:latin typeface="Times New Roman" panose="02020603050405020304" pitchFamily="18" charset="0"/>
+                          <a:ea typeface="+mn-ea"/>
                           <a:cs typeface="Times New Roman" panose="02020603050405020304" pitchFamily="18" charset="0"/>
                         </a:rPr>
-                        <a:t>Ламеллярный разрыв</a:t>
+                        <a:t>Витреомакулярная</a:t>
                       </a:r>
+                      <a:r>
+                        <a:rPr lang="ru-RU" sz="1800" kern="1200" dirty="0">
+                          <a:solidFill>
+                            <a:schemeClr val="dk1"/>
+                          </a:solidFill>
+                          <a:effectLst/>
+                          <a:latin typeface="Times New Roman" panose="02020603050405020304" pitchFamily="18" charset="0"/>
+                          <a:ea typeface="+mn-ea"/>
+                          <a:cs typeface="Times New Roman" panose="02020603050405020304" pitchFamily="18" charset="0"/>
+                        </a:rPr>
+                        <a:t> тракция</a:t>
+                      </a:r>
+                      <a:endParaRPr lang="ru-RU" dirty="0">
+                        <a:latin typeface="Times New Roman" panose="02020603050405020304" pitchFamily="18" charset="0"/>
+                        <a:cs typeface="Times New Roman" panose="02020603050405020304" pitchFamily="18" charset="0"/>
+                      </a:endParaRPr>
                     </a:p>
                   </a:txBody>
                   <a:tcPr anchor="ctr"/>
@@ -5600,8 +7506,58 @@
                 <a:latin typeface="Times New Roman" panose="02020603050405020304" pitchFamily="18" charset="0"/>
                 <a:cs typeface="Times New Roman" panose="02020603050405020304" pitchFamily="18" charset="0"/>
               </a:rPr>
-              <a:t>Пример сегментации патологий выбранной моделью нейронной сети</a:t>
+              <a:t>Рисунок 10 – Пример сегментации патологий выбранной моделью нейронной сети</a:t>
             </a:r>
+          </a:p>
+        </p:txBody>
+      </p:sp>
+      <p:sp>
+        <p:nvSpPr>
+          <p:cNvPr id="9" name="TextBox 8">
+            <a:extLst>
+              <a:ext uri="{FF2B5EF4-FFF2-40B4-BE49-F238E27FC236}">
+                <a16:creationId xmlns:a16="http://schemas.microsoft.com/office/drawing/2014/main" id="{09A8A08F-8CBD-448E-A6AB-D44DA7428713}"/>
+              </a:ext>
+            </a:extLst>
+          </p:cNvPr>
+          <p:cNvSpPr txBox="1"/>
+          <p:nvPr/>
+        </p:nvSpPr>
+        <p:spPr>
+          <a:xfrm>
+            <a:off x="180338" y="5953225"/>
+            <a:ext cx="6133376" cy="646331"/>
+          </a:xfrm>
+          <a:prstGeom prst="rect">
+            <a:avLst/>
+          </a:prstGeom>
+          <a:noFill/>
+        </p:spPr>
+        <p:txBody>
+          <a:bodyPr wrap="square" rtlCol="0">
+            <a:spAutoFit/>
+          </a:bodyPr>
+          <a:lstStyle/>
+          <a:p>
+            <a:pPr algn="just"/>
+            <a:r>
+              <a:rPr lang="ru-RU" dirty="0">
+                <a:latin typeface="Times New Roman" panose="02020603050405020304" pitchFamily="18" charset="0"/>
+                <a:cs typeface="Times New Roman" panose="02020603050405020304" pitchFamily="18" charset="0"/>
+              </a:rPr>
+              <a:t>Таблица 2 – Метрики сегментации для каждого рассматриваемого класса модели </a:t>
+            </a:r>
+            <a:r>
+              <a:rPr lang="en-US" dirty="0">
+                <a:latin typeface="Times New Roman" panose="02020603050405020304" pitchFamily="18" charset="0"/>
+                <a:cs typeface="Times New Roman" panose="02020603050405020304" pitchFamily="18" charset="0"/>
+              </a:rPr>
+              <a:t>YOLOv12-seg</a:t>
+            </a:r>
+            <a:endParaRPr lang="ru-RU" dirty="0">
+              <a:latin typeface="Times New Roman" panose="02020603050405020304" pitchFamily="18" charset="0"/>
+              <a:cs typeface="Times New Roman" panose="02020603050405020304" pitchFamily="18" charset="0"/>
+            </a:endParaRPr>
           </a:p>
         </p:txBody>
       </p:sp>
@@ -5765,17 +7721,17 @@
                 <a:latin typeface="Times New Roman" panose="02020603050405020304" pitchFamily="18" charset="0"/>
                 <a:cs typeface="Times New Roman" panose="02020603050405020304" pitchFamily="18" charset="0"/>
               </a:rPr>
-              <a:t>Графический интерфейс</a:t>
+              <a:t>Клиент-серверная архитектура</a:t>
             </a:r>
           </a:p>
         </p:txBody>
       </p:sp>
       <p:pic>
         <p:nvPicPr>
-          <p:cNvPr id="9" name="Рисунок 8">
-            <a:extLst>
-              <a:ext uri="{FF2B5EF4-FFF2-40B4-BE49-F238E27FC236}">
-                <a16:creationId xmlns:a16="http://schemas.microsoft.com/office/drawing/2014/main" id="{DAFA2213-EF22-4841-BFF9-DDD5822D091D}"/>
+          <p:cNvPr id="7" name="Рисунок 6">
+            <a:extLst>
+              <a:ext uri="{FF2B5EF4-FFF2-40B4-BE49-F238E27FC236}">
+                <a16:creationId xmlns:a16="http://schemas.microsoft.com/office/drawing/2014/main" id="{B6289102-7982-4E81-9EBC-4C87AE8929CD}"/>
               </a:ext>
             </a:extLst>
           </p:cNvPr>
@@ -5783,55 +7739,38 @@
           <p:nvPr/>
         </p:nvPicPr>
         <p:blipFill>
-          <a:blip r:embed="rId3"/>
+          <a:blip r:embed="rId3">
+            <a:extLst>
+              <a:ext uri="{28A0092B-C50C-407E-A947-70E740481C1C}">
+                <a14:useLocalDpi xmlns:a14="http://schemas.microsoft.com/office/drawing/2010/main" val="0"/>
+              </a:ext>
+            </a:extLst>
+          </a:blip>
+          <a:srcRect/>
           <a:stretch>
             <a:fillRect/>
           </a:stretch>
         </p:blipFill>
-        <p:spPr>
+        <p:spPr bwMode="auto">
           <a:xfrm>
-            <a:off x="180340" y="1651806"/>
-            <a:ext cx="5696716" cy="3466465"/>
+            <a:off x="2917575" y="1602340"/>
+            <a:ext cx="6356849" cy="4143675"/>
           </a:xfrm>
           <a:prstGeom prst="rect">
             <a:avLst/>
           </a:prstGeom>
-        </p:spPr>
-      </p:pic>
-      <p:pic>
-        <p:nvPicPr>
-          <p:cNvPr id="10" name="Рисунок 9">
-            <a:extLst>
-              <a:ext uri="{FF2B5EF4-FFF2-40B4-BE49-F238E27FC236}">
-                <a16:creationId xmlns:a16="http://schemas.microsoft.com/office/drawing/2014/main" id="{DB6266BF-E2CB-4CAC-A050-E980E57E49F1}"/>
-              </a:ext>
-            </a:extLst>
-          </p:cNvPr>
-          <p:cNvPicPr/>
-          <p:nvPr/>
-        </p:nvPicPr>
-        <p:blipFill>
-          <a:blip r:embed="rId4"/>
-          <a:stretch>
-            <a:fillRect/>
-          </a:stretch>
-        </p:blipFill>
-        <p:spPr>
-          <a:xfrm>
-            <a:off x="6348992" y="1651806"/>
-            <a:ext cx="5224780" cy="3466465"/>
-          </a:xfrm>
-          <a:prstGeom prst="rect">
-            <a:avLst/>
-          </a:prstGeom>
+          <a:noFill/>
+          <a:ln>
+            <a:noFill/>
+          </a:ln>
         </p:spPr>
       </p:pic>
       <p:sp>
         <p:nvSpPr>
-          <p:cNvPr id="11" name="Номер слайда 6">
-            <a:extLst>
-              <a:ext uri="{FF2B5EF4-FFF2-40B4-BE49-F238E27FC236}">
-                <a16:creationId xmlns:a16="http://schemas.microsoft.com/office/drawing/2014/main" id="{6C65CFA6-2294-4A43-A39F-6361DB391741}"/>
+          <p:cNvPr id="9" name="Номер слайда 6">
+            <a:extLst>
+              <a:ext uri="{FF2B5EF4-FFF2-40B4-BE49-F238E27FC236}">
+                <a16:creationId xmlns:a16="http://schemas.microsoft.com/office/drawing/2014/main" id="{AD187994-72C9-4E0C-82B7-29D9F11E8026}"/>
               </a:ext>
             </a:extLst>
           </p:cNvPr>
@@ -5972,10 +7911,10 @@
       </p:sp>
       <p:sp>
         <p:nvSpPr>
-          <p:cNvPr id="2" name="TextBox 1">
-            <a:extLst>
-              <a:ext uri="{FF2B5EF4-FFF2-40B4-BE49-F238E27FC236}">
-                <a16:creationId xmlns:a16="http://schemas.microsoft.com/office/drawing/2014/main" id="{8D7460B0-C56C-4CAA-9E48-821D2B5EBB45}"/>
+          <p:cNvPr id="10" name="TextBox 9">
+            <a:extLst>
+              <a:ext uri="{FF2B5EF4-FFF2-40B4-BE49-F238E27FC236}">
+                <a16:creationId xmlns:a16="http://schemas.microsoft.com/office/drawing/2014/main" id="{03BC1CA3-5923-4FBF-B0ED-C551F58BEC86}"/>
               </a:ext>
             </a:extLst>
           </p:cNvPr>
@@ -5984,61 +7923,8 @@
         </p:nvSpPr>
         <p:spPr>
           <a:xfrm>
-            <a:off x="180340" y="6132348"/>
-            <a:ext cx="6716967" cy="369332"/>
-          </a:xfrm>
-          <a:prstGeom prst="rect">
-            <a:avLst/>
-          </a:prstGeom>
-          <a:noFill/>
-        </p:spPr>
-        <p:txBody>
-          <a:bodyPr wrap="none" rtlCol="0">
-            <a:spAutoFit/>
-          </a:bodyPr>
-          <a:lstStyle/>
-          <a:p>
-            <a:pPr marL="285750" indent="-285750">
-              <a:buFont typeface="Arial" panose="020B0604020202020204" pitchFamily="34" charset="0"/>
-              <a:buChar char="•"/>
-            </a:pPr>
-            <a:r>
-              <a:rPr lang="ru-RU" dirty="0">
-                <a:latin typeface="Times New Roman" panose="02020603050405020304" pitchFamily="18" charset="0"/>
-                <a:cs typeface="Times New Roman" panose="02020603050405020304" pitchFamily="18" charset="0"/>
-              </a:rPr>
-              <a:t>Технологии, использованные при разработке: </a:t>
-            </a:r>
-            <a:r>
-              <a:rPr lang="en-US" dirty="0">
-                <a:latin typeface="Times New Roman" panose="02020603050405020304" pitchFamily="18" charset="0"/>
-                <a:cs typeface="Times New Roman" panose="02020603050405020304" pitchFamily="18" charset="0"/>
-              </a:rPr>
-              <a:t>TypeScript, React.</a:t>
-            </a:r>
-            <a:endParaRPr lang="ru-RU" dirty="0">
-              <a:latin typeface="Times New Roman" panose="02020603050405020304" pitchFamily="18" charset="0"/>
-              <a:cs typeface="Times New Roman" panose="02020603050405020304" pitchFamily="18" charset="0"/>
-            </a:endParaRPr>
-          </a:p>
-        </p:txBody>
-      </p:sp>
-      <p:sp>
-        <p:nvSpPr>
-          <p:cNvPr id="12" name="TextBox 11">
-            <a:extLst>
-              <a:ext uri="{FF2B5EF4-FFF2-40B4-BE49-F238E27FC236}">
-                <a16:creationId xmlns:a16="http://schemas.microsoft.com/office/drawing/2014/main" id="{9B47166F-9DC9-4698-A579-9A6107E76A58}"/>
-              </a:ext>
-            </a:extLst>
-          </p:cNvPr>
-          <p:cNvSpPr txBox="1"/>
-          <p:nvPr/>
-        </p:nvSpPr>
-        <p:spPr>
-          <a:xfrm>
-            <a:off x="656569" y="5137323"/>
-            <a:ext cx="4744257" cy="369332"/>
+            <a:off x="2917575" y="5858805"/>
+            <a:ext cx="6188325" cy="646331"/>
           </a:xfrm>
           <a:prstGeom prst="rect">
             <a:avLst/>
@@ -6057,46 +7943,21 @@
                 <a:latin typeface="Times New Roman" panose="02020603050405020304" pitchFamily="18" charset="0"/>
                 <a:cs typeface="Times New Roman" panose="02020603050405020304" pitchFamily="18" charset="0"/>
               </a:rPr>
-              <a:t>Начальный экран</a:t>
+              <a:t>Рисунок 1</a:t>
             </a:r>
-          </a:p>
-        </p:txBody>
-      </p:sp>
-      <p:sp>
-        <p:nvSpPr>
-          <p:cNvPr id="13" name="TextBox 12">
-            <a:extLst>
-              <a:ext uri="{FF2B5EF4-FFF2-40B4-BE49-F238E27FC236}">
-                <a16:creationId xmlns:a16="http://schemas.microsoft.com/office/drawing/2014/main" id="{9E3C8188-42B9-4623-B7AB-20D91A0AB94A}"/>
-              </a:ext>
-            </a:extLst>
-          </p:cNvPr>
-          <p:cNvSpPr txBox="1"/>
-          <p:nvPr/>
-        </p:nvSpPr>
-        <p:spPr>
-          <a:xfrm>
-            <a:off x="6589253" y="5118271"/>
-            <a:ext cx="4744257" cy="369332"/>
-          </a:xfrm>
-          <a:prstGeom prst="rect">
-            <a:avLst/>
-          </a:prstGeom>
-          <a:noFill/>
-        </p:spPr>
-        <p:txBody>
-          <a:bodyPr wrap="square" rtlCol="0">
-            <a:spAutoFit/>
-          </a:bodyPr>
-          <a:lstStyle/>
-          <a:p>
-            <a:pPr algn="ctr"/>
+            <a:r>
+              <a:rPr lang="en-US" dirty="0">
+                <a:latin typeface="Times New Roman" panose="02020603050405020304" pitchFamily="18" charset="0"/>
+                <a:cs typeface="Times New Roman" panose="02020603050405020304" pitchFamily="18" charset="0"/>
+              </a:rPr>
+              <a:t>1</a:t>
+            </a:r>
             <a:r>
               <a:rPr lang="ru-RU" dirty="0">
                 <a:latin typeface="Times New Roman" panose="02020603050405020304" pitchFamily="18" charset="0"/>
                 <a:cs typeface="Times New Roman" panose="02020603050405020304" pitchFamily="18" charset="0"/>
               </a:rPr>
-              <a:t>Экран результатов обработки</a:t>
+              <a:t> – Схема взаимодействия разработанных модулей с пользовательским интерфейсом</a:t>
             </a:r>
           </a:p>
         </p:txBody>
@@ -6104,7 +7965,7 @@
     </p:spTree>
     <p:extLst>
       <p:ext uri="{BB962C8B-B14F-4D97-AF65-F5344CB8AC3E}">
-        <p14:creationId xmlns:p14="http://schemas.microsoft.com/office/powerpoint/2010/main" val="3827026528"/>
+        <p14:creationId xmlns:p14="http://schemas.microsoft.com/office/powerpoint/2010/main" val="82835468"/>
       </p:ext>
     </p:extLst>
   </p:cSld>
@@ -6261,17 +8122,17 @@
                 <a:latin typeface="Times New Roman" panose="02020603050405020304" pitchFamily="18" charset="0"/>
                 <a:cs typeface="Times New Roman" panose="02020603050405020304" pitchFamily="18" charset="0"/>
               </a:rPr>
-              <a:t>Клиент-серверная архитектура</a:t>
+              <a:t>Графический интерфейс</a:t>
             </a:r>
           </a:p>
         </p:txBody>
       </p:sp>
       <p:pic>
         <p:nvPicPr>
-          <p:cNvPr id="7" name="Рисунок 6">
-            <a:extLst>
-              <a:ext uri="{FF2B5EF4-FFF2-40B4-BE49-F238E27FC236}">
-                <a16:creationId xmlns:a16="http://schemas.microsoft.com/office/drawing/2014/main" id="{B6289102-7982-4E81-9EBC-4C87AE8929CD}"/>
+          <p:cNvPr id="9" name="Рисунок 8">
+            <a:extLst>
+              <a:ext uri="{FF2B5EF4-FFF2-40B4-BE49-F238E27FC236}">
+                <a16:creationId xmlns:a16="http://schemas.microsoft.com/office/drawing/2014/main" id="{DAFA2213-EF22-4841-BFF9-DDD5822D091D}"/>
               </a:ext>
             </a:extLst>
           </p:cNvPr>
@@ -6279,38 +8140,55 @@
           <p:nvPr/>
         </p:nvPicPr>
         <p:blipFill>
-          <a:blip r:embed="rId3">
-            <a:extLst>
-              <a:ext uri="{28A0092B-C50C-407E-A947-70E740481C1C}">
-                <a14:useLocalDpi xmlns:a14="http://schemas.microsoft.com/office/drawing/2010/main" val="0"/>
-              </a:ext>
-            </a:extLst>
-          </a:blip>
-          <a:srcRect/>
+          <a:blip r:embed="rId3"/>
           <a:stretch>
             <a:fillRect/>
           </a:stretch>
         </p:blipFill>
-        <p:spPr bwMode="auto">
+        <p:spPr>
           <a:xfrm>
-            <a:off x="2917575" y="1602340"/>
-            <a:ext cx="6356849" cy="4143675"/>
+            <a:off x="180340" y="1651806"/>
+            <a:ext cx="5696716" cy="3466465"/>
           </a:xfrm>
           <a:prstGeom prst="rect">
             <a:avLst/>
           </a:prstGeom>
-          <a:noFill/>
-          <a:ln>
-            <a:noFill/>
-          </a:ln>
+        </p:spPr>
+      </p:pic>
+      <p:pic>
+        <p:nvPicPr>
+          <p:cNvPr id="10" name="Рисунок 9">
+            <a:extLst>
+              <a:ext uri="{FF2B5EF4-FFF2-40B4-BE49-F238E27FC236}">
+                <a16:creationId xmlns:a16="http://schemas.microsoft.com/office/drawing/2014/main" id="{DB6266BF-E2CB-4CAC-A050-E980E57E49F1}"/>
+              </a:ext>
+            </a:extLst>
+          </p:cNvPr>
+          <p:cNvPicPr/>
+          <p:nvPr/>
+        </p:nvPicPr>
+        <p:blipFill>
+          <a:blip r:embed="rId4"/>
+          <a:stretch>
+            <a:fillRect/>
+          </a:stretch>
+        </p:blipFill>
+        <p:spPr>
+          <a:xfrm>
+            <a:off x="6348992" y="1651806"/>
+            <a:ext cx="5224780" cy="3466465"/>
+          </a:xfrm>
+          <a:prstGeom prst="rect">
+            <a:avLst/>
+          </a:prstGeom>
         </p:spPr>
       </p:pic>
       <p:sp>
         <p:nvSpPr>
-          <p:cNvPr id="9" name="Номер слайда 6">
-            <a:extLst>
-              <a:ext uri="{FF2B5EF4-FFF2-40B4-BE49-F238E27FC236}">
-                <a16:creationId xmlns:a16="http://schemas.microsoft.com/office/drawing/2014/main" id="{AD187994-72C9-4E0C-82B7-29D9F11E8026}"/>
+          <p:cNvPr id="11" name="Номер слайда 6">
+            <a:extLst>
+              <a:ext uri="{FF2B5EF4-FFF2-40B4-BE49-F238E27FC236}">
+                <a16:creationId xmlns:a16="http://schemas.microsoft.com/office/drawing/2014/main" id="{6C65CFA6-2294-4A43-A39F-6361DB391741}"/>
               </a:ext>
             </a:extLst>
           </p:cNvPr>
@@ -6449,10 +8327,141 @@
           </a:p>
         </p:txBody>
       </p:sp>
+      <p:sp>
+        <p:nvSpPr>
+          <p:cNvPr id="2" name="TextBox 1">
+            <a:extLst>
+              <a:ext uri="{FF2B5EF4-FFF2-40B4-BE49-F238E27FC236}">
+                <a16:creationId xmlns:a16="http://schemas.microsoft.com/office/drawing/2014/main" id="{8D7460B0-C56C-4CAA-9E48-821D2B5EBB45}"/>
+              </a:ext>
+            </a:extLst>
+          </p:cNvPr>
+          <p:cNvSpPr txBox="1"/>
+          <p:nvPr/>
+        </p:nvSpPr>
+        <p:spPr>
+          <a:xfrm>
+            <a:off x="180340" y="6132348"/>
+            <a:ext cx="6716967" cy="369332"/>
+          </a:xfrm>
+          <a:prstGeom prst="rect">
+            <a:avLst/>
+          </a:prstGeom>
+          <a:noFill/>
+        </p:spPr>
+        <p:txBody>
+          <a:bodyPr wrap="none" rtlCol="0">
+            <a:spAutoFit/>
+          </a:bodyPr>
+          <a:lstStyle/>
+          <a:p>
+            <a:pPr marL="285750" indent="-285750">
+              <a:buFont typeface="Arial" panose="020B0604020202020204" pitchFamily="34" charset="0"/>
+              <a:buChar char="•"/>
+            </a:pPr>
+            <a:r>
+              <a:rPr lang="ru-RU" dirty="0">
+                <a:latin typeface="Times New Roman" panose="02020603050405020304" pitchFamily="18" charset="0"/>
+                <a:cs typeface="Times New Roman" panose="02020603050405020304" pitchFamily="18" charset="0"/>
+              </a:rPr>
+              <a:t>Технологии, использованные при разработке: </a:t>
+            </a:r>
+            <a:r>
+              <a:rPr lang="en-US" dirty="0">
+                <a:latin typeface="Times New Roman" panose="02020603050405020304" pitchFamily="18" charset="0"/>
+                <a:cs typeface="Times New Roman" panose="02020603050405020304" pitchFamily="18" charset="0"/>
+              </a:rPr>
+              <a:t>TypeScript, React.</a:t>
+            </a:r>
+            <a:endParaRPr lang="ru-RU" dirty="0">
+              <a:latin typeface="Times New Roman" panose="02020603050405020304" pitchFamily="18" charset="0"/>
+              <a:cs typeface="Times New Roman" panose="02020603050405020304" pitchFamily="18" charset="0"/>
+            </a:endParaRPr>
+          </a:p>
+        </p:txBody>
+      </p:sp>
+      <p:sp>
+        <p:nvSpPr>
+          <p:cNvPr id="12" name="TextBox 11">
+            <a:extLst>
+              <a:ext uri="{FF2B5EF4-FFF2-40B4-BE49-F238E27FC236}">
+                <a16:creationId xmlns:a16="http://schemas.microsoft.com/office/drawing/2014/main" id="{9B47166F-9DC9-4698-A579-9A6107E76A58}"/>
+              </a:ext>
+            </a:extLst>
+          </p:cNvPr>
+          <p:cNvSpPr txBox="1"/>
+          <p:nvPr/>
+        </p:nvSpPr>
+        <p:spPr>
+          <a:xfrm>
+            <a:off x="656569" y="5137323"/>
+            <a:ext cx="4744257" cy="646331"/>
+          </a:xfrm>
+          <a:prstGeom prst="rect">
+            <a:avLst/>
+          </a:prstGeom>
+          <a:noFill/>
+        </p:spPr>
+        <p:txBody>
+          <a:bodyPr wrap="square" rtlCol="0">
+            <a:spAutoFit/>
+          </a:bodyPr>
+          <a:lstStyle/>
+          <a:p>
+            <a:pPr algn="ctr"/>
+            <a:r>
+              <a:rPr lang="ru-RU" dirty="0">
+                <a:latin typeface="Times New Roman" panose="02020603050405020304" pitchFamily="18" charset="0"/>
+                <a:cs typeface="Times New Roman" panose="02020603050405020304" pitchFamily="18" charset="0"/>
+              </a:rPr>
+              <a:t>Рисунок 12 – Пользовательский интерфейс. Начальный экран</a:t>
+            </a:r>
+          </a:p>
+        </p:txBody>
+      </p:sp>
+      <p:sp>
+        <p:nvSpPr>
+          <p:cNvPr id="13" name="TextBox 12">
+            <a:extLst>
+              <a:ext uri="{FF2B5EF4-FFF2-40B4-BE49-F238E27FC236}">
+                <a16:creationId xmlns:a16="http://schemas.microsoft.com/office/drawing/2014/main" id="{9E3C8188-42B9-4623-B7AB-20D91A0AB94A}"/>
+              </a:ext>
+            </a:extLst>
+          </p:cNvPr>
+          <p:cNvSpPr txBox="1"/>
+          <p:nvPr/>
+        </p:nvSpPr>
+        <p:spPr>
+          <a:xfrm>
+            <a:off x="6589253" y="5118271"/>
+            <a:ext cx="4744257" cy="646331"/>
+          </a:xfrm>
+          <a:prstGeom prst="rect">
+            <a:avLst/>
+          </a:prstGeom>
+          <a:noFill/>
+        </p:spPr>
+        <p:txBody>
+          <a:bodyPr wrap="square" rtlCol="0">
+            <a:spAutoFit/>
+          </a:bodyPr>
+          <a:lstStyle/>
+          <a:p>
+            <a:pPr algn="ctr"/>
+            <a:r>
+              <a:rPr lang="ru-RU" dirty="0">
+                <a:latin typeface="Times New Roman" panose="02020603050405020304" pitchFamily="18" charset="0"/>
+                <a:cs typeface="Times New Roman" panose="02020603050405020304" pitchFamily="18" charset="0"/>
+              </a:rPr>
+              <a:t>Рисунок 13 – Пользовательский интерфейс. Экран результатов обработки</a:t>
+            </a:r>
+          </a:p>
+        </p:txBody>
+      </p:sp>
     </p:spTree>
     <p:extLst>
       <p:ext uri="{BB962C8B-B14F-4D97-AF65-F5344CB8AC3E}">
-        <p14:creationId xmlns:p14="http://schemas.microsoft.com/office/powerpoint/2010/main" val="82835468"/>
+        <p14:creationId xmlns:p14="http://schemas.microsoft.com/office/powerpoint/2010/main" val="3827026528"/>
       </p:ext>
     </p:extLst>
   </p:cSld>
@@ -6589,7 +8598,7 @@
         </p:nvSpPr>
         <p:spPr>
           <a:xfrm>
-            <a:off x="0" y="3429000"/>
+            <a:off x="1" y="904775"/>
             <a:ext cx="12192000" cy="584775"/>
           </a:xfrm>
           <a:prstGeom prst="rect">
@@ -6609,17 +8618,17 @@
                 <a:latin typeface="Times New Roman" panose="02020603050405020304" pitchFamily="18" charset="0"/>
                 <a:cs typeface="Times New Roman" panose="02020603050405020304" pitchFamily="18" charset="0"/>
               </a:rPr>
-              <a:t>Спасибо за внимание!</a:t>
+              <a:t>Выводы</a:t>
             </a:r>
           </a:p>
         </p:txBody>
       </p:sp>
       <p:sp>
         <p:nvSpPr>
-          <p:cNvPr id="9" name="Номер слайда 6">
-            <a:extLst>
-              <a:ext uri="{FF2B5EF4-FFF2-40B4-BE49-F238E27FC236}">
-                <a16:creationId xmlns:a16="http://schemas.microsoft.com/office/drawing/2014/main" id="{472C7528-8CBC-4190-9E4B-A33A42902B81}"/>
+          <p:cNvPr id="11" name="Номер слайда 6">
+            <a:extLst>
+              <a:ext uri="{FF2B5EF4-FFF2-40B4-BE49-F238E27FC236}">
+                <a16:creationId xmlns:a16="http://schemas.microsoft.com/office/drawing/2014/main" id="{6C65CFA6-2294-4A43-A39F-6361DB391741}"/>
               </a:ext>
             </a:extLst>
           </p:cNvPr>
@@ -6747,6 +8756,426 @@
               </a:rPr>
               <a:pPr/>
               <a:t>13</a:t>
+            </a:fld>
+            <a:endParaRPr lang="ru-RU" sz="3200" dirty="0">
+              <a:solidFill>
+                <a:srgbClr val="BB8D54"/>
+              </a:solidFill>
+              <a:latin typeface="Times New Roman" panose="02020603050405020304" pitchFamily="18" charset="0"/>
+              <a:cs typeface="Times New Roman" panose="02020603050405020304" pitchFamily="18" charset="0"/>
+            </a:endParaRPr>
+          </a:p>
+        </p:txBody>
+      </p:sp>
+      <p:sp>
+        <p:nvSpPr>
+          <p:cNvPr id="14" name="TextBox 13">
+            <a:extLst>
+              <a:ext uri="{FF2B5EF4-FFF2-40B4-BE49-F238E27FC236}">
+                <a16:creationId xmlns:a16="http://schemas.microsoft.com/office/drawing/2014/main" id="{A129AF7A-2792-4DAD-AF83-8944D7539AF8}"/>
+              </a:ext>
+            </a:extLst>
+          </p:cNvPr>
+          <p:cNvSpPr txBox="1"/>
+          <p:nvPr/>
+        </p:nvSpPr>
+        <p:spPr>
+          <a:xfrm>
+            <a:off x="0" y="1489550"/>
+            <a:ext cx="12191999" cy="4893647"/>
+          </a:xfrm>
+          <a:prstGeom prst="rect">
+            <a:avLst/>
+          </a:prstGeom>
+          <a:noFill/>
+        </p:spPr>
+        <p:txBody>
+          <a:bodyPr wrap="square" rtlCol="0">
+            <a:spAutoFit/>
+          </a:bodyPr>
+          <a:lstStyle/>
+          <a:p>
+            <a:pPr marL="342900" indent="-342900" algn="just">
+              <a:buFont typeface="Arial" panose="020B0604020202020204" pitchFamily="34" charset="0"/>
+              <a:buChar char="•"/>
+            </a:pPr>
+            <a:r>
+              <a:rPr lang="ru-RU" sz="2400" dirty="0">
+                <a:latin typeface="Times New Roman" panose="02020603050405020304" pitchFamily="18" charset="0"/>
+                <a:cs typeface="Times New Roman" panose="02020603050405020304" pitchFamily="18" charset="0"/>
+              </a:rPr>
+              <a:t>В ходе выполнения выпускной квалификационной работы поставленная цель и задачи данной работы были достигнуты;</a:t>
+            </a:r>
+          </a:p>
+          <a:p>
+            <a:pPr marL="342900" indent="-342900" algn="just">
+              <a:buFont typeface="Arial" panose="020B0604020202020204" pitchFamily="34" charset="0"/>
+              <a:buChar char="•"/>
+            </a:pPr>
+            <a:endParaRPr lang="ru-RU" sz="2400" dirty="0">
+              <a:latin typeface="Times New Roman" panose="02020603050405020304" pitchFamily="18" charset="0"/>
+              <a:cs typeface="Times New Roman" panose="02020603050405020304" pitchFamily="18" charset="0"/>
+            </a:endParaRPr>
+          </a:p>
+          <a:p>
+            <a:pPr marL="342900" indent="-342900" algn="just">
+              <a:buFont typeface="Arial" panose="020B0604020202020204" pitchFamily="34" charset="0"/>
+              <a:buChar char="•"/>
+            </a:pPr>
+            <a:r>
+              <a:rPr lang="ru-RU" sz="2400" dirty="0">
+                <a:latin typeface="Times New Roman" panose="02020603050405020304" pitchFamily="18" charset="0"/>
+                <a:cs typeface="Times New Roman" panose="02020603050405020304" pitchFamily="18" charset="0"/>
+              </a:rPr>
+              <a:t>Был разработан программно-алгоритмический комплекс, способный производить сегментацию и классификацию выбранных патологий глазного дна;</a:t>
+            </a:r>
+          </a:p>
+          <a:p>
+            <a:pPr marL="342900" indent="-342900" algn="just">
+              <a:buFont typeface="Arial" panose="020B0604020202020204" pitchFamily="34" charset="0"/>
+              <a:buChar char="•"/>
+            </a:pPr>
+            <a:endParaRPr lang="ru-RU" sz="2400" dirty="0">
+              <a:latin typeface="Times New Roman" panose="02020603050405020304" pitchFamily="18" charset="0"/>
+              <a:cs typeface="Times New Roman" panose="02020603050405020304" pitchFamily="18" charset="0"/>
+            </a:endParaRPr>
+          </a:p>
+          <a:p>
+            <a:pPr marL="342900" indent="-342900" algn="just">
+              <a:buFont typeface="Arial" panose="020B0604020202020204" pitchFamily="34" charset="0"/>
+              <a:buChar char="•"/>
+            </a:pPr>
+            <a:r>
+              <a:rPr lang="ru-RU" sz="2400" dirty="0">
+                <a:latin typeface="Times New Roman" panose="02020603050405020304" pitchFamily="18" charset="0"/>
+                <a:cs typeface="Times New Roman" panose="02020603050405020304" pitchFamily="18" charset="0"/>
+              </a:rPr>
+              <a:t>Применённая модель нейронной сети продемонстрировала высокие значения точности и полноты на тестовой выборке, что свидетельствует о её эффективности;</a:t>
+            </a:r>
+          </a:p>
+          <a:p>
+            <a:pPr marL="342900" indent="-342900" algn="just">
+              <a:buFont typeface="Arial" panose="020B0604020202020204" pitchFamily="34" charset="0"/>
+              <a:buChar char="•"/>
+            </a:pPr>
+            <a:endParaRPr lang="ru-RU" sz="2400" dirty="0">
+              <a:latin typeface="Times New Roman" panose="02020603050405020304" pitchFamily="18" charset="0"/>
+              <a:cs typeface="Times New Roman" panose="02020603050405020304" pitchFamily="18" charset="0"/>
+            </a:endParaRPr>
+          </a:p>
+          <a:p>
+            <a:pPr marL="342900" indent="-342900" algn="just">
+              <a:buFont typeface="Arial" panose="020B0604020202020204" pitchFamily="34" charset="0"/>
+              <a:buChar char="•"/>
+            </a:pPr>
+            <a:r>
+              <a:rPr lang="ru-RU" sz="2400" dirty="0">
+                <a:latin typeface="Times New Roman" panose="02020603050405020304" pitchFamily="18" charset="0"/>
+                <a:cs typeface="Times New Roman" panose="02020603050405020304" pitchFamily="18" charset="0"/>
+              </a:rPr>
+              <a:t>В дальнейшем разработанный программно-алгоритмический комплекс может быть усовершенствован посредством улучшения точности сегментации и классификации, добавления новых классов сегментируемых патологий сетчатки, расчета различных габаритных параметров сегментированных патологий.</a:t>
+            </a:r>
+          </a:p>
+        </p:txBody>
+      </p:sp>
+    </p:spTree>
+    <p:extLst>
+      <p:ext uri="{BB962C8B-B14F-4D97-AF65-F5344CB8AC3E}">
+        <p14:creationId xmlns:p14="http://schemas.microsoft.com/office/powerpoint/2010/main" val="603491274"/>
+      </p:ext>
+    </p:extLst>
+  </p:cSld>
+  <p:clrMapOvr>
+    <a:masterClrMapping/>
+  </p:clrMapOvr>
+</p:sld>
+</file>
+
+<file path=ppt/slides/slide14.xml><?xml version="1.0" encoding="utf-8"?>
+<p:sld xmlns:a="http://schemas.openxmlformats.org/drawingml/2006/main" xmlns:r="http://schemas.openxmlformats.org/officeDocument/2006/relationships" xmlns:p="http://schemas.openxmlformats.org/presentationml/2006/main">
+  <p:cSld>
+    <p:spTree>
+      <p:nvGrpSpPr>
+        <p:cNvPr id="1" name=""/>
+        <p:cNvGrpSpPr/>
+        <p:nvPr/>
+      </p:nvGrpSpPr>
+      <p:grpSpPr>
+        <a:xfrm>
+          <a:off x="0" y="0"/>
+          <a:ext cx="0" cy="0"/>
+          <a:chOff x="0" y="0"/>
+          <a:chExt cx="0" cy="0"/>
+        </a:xfrm>
+      </p:grpSpPr>
+      <p:sp>
+        <p:nvSpPr>
+          <p:cNvPr id="6" name="Прямоугольник 5">
+            <a:extLst>
+              <a:ext uri="{FF2B5EF4-FFF2-40B4-BE49-F238E27FC236}">
+                <a16:creationId xmlns:a16="http://schemas.microsoft.com/office/drawing/2014/main" id="{C0426F70-1E6E-4295-A786-0FC03E4F4461}"/>
+              </a:ext>
+            </a:extLst>
+          </p:cNvPr>
+          <p:cNvSpPr/>
+          <p:nvPr/>
+        </p:nvSpPr>
+        <p:spPr>
+          <a:xfrm>
+            <a:off x="0" y="0"/>
+            <a:ext cx="12192000" cy="904775"/>
+          </a:xfrm>
+          <a:prstGeom prst="rect">
+            <a:avLst/>
+          </a:prstGeom>
+          <a:solidFill>
+            <a:srgbClr val="05336E"/>
+          </a:solidFill>
+        </p:spPr>
+        <p:style>
+          <a:lnRef idx="2">
+            <a:schemeClr val="accent1">
+              <a:shade val="50000"/>
+            </a:schemeClr>
+          </a:lnRef>
+          <a:fillRef idx="1">
+            <a:schemeClr val="accent1"/>
+          </a:fillRef>
+          <a:effectRef idx="0">
+            <a:schemeClr val="accent1"/>
+          </a:effectRef>
+          <a:fontRef idx="minor">
+            <a:schemeClr val="lt1"/>
+          </a:fontRef>
+        </p:style>
+        <p:txBody>
+          <a:bodyPr rtlCol="0" anchor="ctr"/>
+          <a:lstStyle/>
+          <a:p>
+            <a:pPr algn="ctr"/>
+            <a:endParaRPr lang="ru-RU"/>
+          </a:p>
+        </p:txBody>
+      </p:sp>
+      <p:pic>
+        <p:nvPicPr>
+          <p:cNvPr id="1028" name="Picture 4">
+            <a:extLst>
+              <a:ext uri="{FF2B5EF4-FFF2-40B4-BE49-F238E27FC236}">
+                <a16:creationId xmlns:a16="http://schemas.microsoft.com/office/drawing/2014/main" id="{FE6D30D4-8102-49F6-B45C-382FEF61F873}"/>
+              </a:ext>
+            </a:extLst>
+          </p:cNvPr>
+          <p:cNvPicPr>
+            <a:picLocks noChangeAspect="1" noChangeArrowheads="1"/>
+          </p:cNvPicPr>
+          <p:nvPr/>
+        </p:nvPicPr>
+        <p:blipFill>
+          <a:blip r:embed="rId2" cstate="hqprint">
+            <a:extLst>
+              <a:ext uri="{28A0092B-C50C-407E-A947-70E740481C1C}">
+                <a14:useLocalDpi xmlns:a14="http://schemas.microsoft.com/office/drawing/2010/main" val="0"/>
+              </a:ext>
+            </a:extLst>
+          </a:blip>
+          <a:srcRect/>
+          <a:stretch>
+            <a:fillRect/>
+          </a:stretch>
+        </p:blipFill>
+        <p:spPr bwMode="auto">
+          <a:xfrm>
+            <a:off x="180340" y="112788"/>
+            <a:ext cx="3558139" cy="679197"/>
+          </a:xfrm>
+          <a:prstGeom prst="rect">
+            <a:avLst/>
+          </a:prstGeom>
+          <a:noFill/>
+          <a:extLst>
+            <a:ext uri="{909E8E84-426E-40DD-AFC4-6F175D3DCCD1}">
+              <a14:hiddenFill xmlns:a14="http://schemas.microsoft.com/office/drawing/2010/main">
+                <a:solidFill>
+                  <a:srgbClr val="FFFFFF"/>
+                </a:solidFill>
+              </a14:hiddenFill>
+            </a:ext>
+          </a:extLst>
+        </p:spPr>
+      </p:pic>
+      <p:sp>
+        <p:nvSpPr>
+          <p:cNvPr id="8" name="TextBox 7">
+            <a:extLst>
+              <a:ext uri="{FF2B5EF4-FFF2-40B4-BE49-F238E27FC236}">
+                <a16:creationId xmlns:a16="http://schemas.microsoft.com/office/drawing/2014/main" id="{1E6E76FE-65C5-446B-B6A2-A8E9311E4B8B}"/>
+              </a:ext>
+            </a:extLst>
+          </p:cNvPr>
+          <p:cNvSpPr txBox="1"/>
+          <p:nvPr/>
+        </p:nvSpPr>
+        <p:spPr>
+          <a:xfrm>
+            <a:off x="0" y="3429000"/>
+            <a:ext cx="12192000" cy="584775"/>
+          </a:xfrm>
+          <a:prstGeom prst="rect">
+            <a:avLst/>
+          </a:prstGeom>
+          <a:noFill/>
+        </p:spPr>
+        <p:txBody>
+          <a:bodyPr wrap="square" rtlCol="0">
+            <a:spAutoFit/>
+          </a:bodyPr>
+          <a:lstStyle/>
+          <a:p>
+            <a:pPr algn="ctr"/>
+            <a:r>
+              <a:rPr lang="ru-RU" sz="3200" b="1" dirty="0">
+                <a:latin typeface="Times New Roman" panose="02020603050405020304" pitchFamily="18" charset="0"/>
+                <a:cs typeface="Times New Roman" panose="02020603050405020304" pitchFamily="18" charset="0"/>
+              </a:rPr>
+              <a:t>Спасибо за внимание!</a:t>
+            </a:r>
+          </a:p>
+        </p:txBody>
+      </p:sp>
+      <p:sp>
+        <p:nvSpPr>
+          <p:cNvPr id="9" name="Номер слайда 6">
+            <a:extLst>
+              <a:ext uri="{FF2B5EF4-FFF2-40B4-BE49-F238E27FC236}">
+                <a16:creationId xmlns:a16="http://schemas.microsoft.com/office/drawing/2014/main" id="{472C7528-8CBC-4190-9E4B-A33A42902B81}"/>
+              </a:ext>
+            </a:extLst>
+          </p:cNvPr>
+          <p:cNvSpPr txBox="1">
+            <a:spLocks/>
+          </p:cNvSpPr>
+          <p:nvPr/>
+        </p:nvSpPr>
+        <p:spPr>
+          <a:xfrm>
+            <a:off x="9105900" y="269823"/>
+            <a:ext cx="2743200" cy="365125"/>
+          </a:xfrm>
+          <a:prstGeom prst="rect">
+            <a:avLst/>
+          </a:prstGeom>
+        </p:spPr>
+        <p:txBody>
+          <a:bodyPr vert="horz" lIns="91440" tIns="45720" rIns="91440" bIns="45720" rtlCol="0" anchor="ctr"/>
+          <a:lstStyle>
+            <a:defPPr>
+              <a:defRPr lang="ru-RU"/>
+            </a:defPPr>
+            <a:lvl1pPr marL="0" algn="r" defTabSz="914400" rtl="0" eaLnBrk="1" latinLnBrk="0" hangingPunct="1">
+              <a:defRPr sz="1200" kern="1200">
+                <a:solidFill>
+                  <a:schemeClr val="tx1">
+                    <a:tint val="75000"/>
+                  </a:schemeClr>
+                </a:solidFill>
+                <a:latin typeface="+mn-lt"/>
+                <a:ea typeface="+mn-ea"/>
+                <a:cs typeface="+mn-cs"/>
+              </a:defRPr>
+            </a:lvl1pPr>
+            <a:lvl2pPr marL="457200" algn="l" defTabSz="914400" rtl="0" eaLnBrk="1" latinLnBrk="0" hangingPunct="1">
+              <a:defRPr sz="1800" kern="1200">
+                <a:solidFill>
+                  <a:schemeClr val="tx1"/>
+                </a:solidFill>
+                <a:latin typeface="+mn-lt"/>
+                <a:ea typeface="+mn-ea"/>
+                <a:cs typeface="+mn-cs"/>
+              </a:defRPr>
+            </a:lvl2pPr>
+            <a:lvl3pPr marL="914400" algn="l" defTabSz="914400" rtl="0" eaLnBrk="1" latinLnBrk="0" hangingPunct="1">
+              <a:defRPr sz="1800" kern="1200">
+                <a:solidFill>
+                  <a:schemeClr val="tx1"/>
+                </a:solidFill>
+                <a:latin typeface="+mn-lt"/>
+                <a:ea typeface="+mn-ea"/>
+                <a:cs typeface="+mn-cs"/>
+              </a:defRPr>
+            </a:lvl3pPr>
+            <a:lvl4pPr marL="1371600" algn="l" defTabSz="914400" rtl="0" eaLnBrk="1" latinLnBrk="0" hangingPunct="1">
+              <a:defRPr sz="1800" kern="1200">
+                <a:solidFill>
+                  <a:schemeClr val="tx1"/>
+                </a:solidFill>
+                <a:latin typeface="+mn-lt"/>
+                <a:ea typeface="+mn-ea"/>
+                <a:cs typeface="+mn-cs"/>
+              </a:defRPr>
+            </a:lvl4pPr>
+            <a:lvl5pPr marL="1828800" algn="l" defTabSz="914400" rtl="0" eaLnBrk="1" latinLnBrk="0" hangingPunct="1">
+              <a:defRPr sz="1800" kern="1200">
+                <a:solidFill>
+                  <a:schemeClr val="tx1"/>
+                </a:solidFill>
+                <a:latin typeface="+mn-lt"/>
+                <a:ea typeface="+mn-ea"/>
+                <a:cs typeface="+mn-cs"/>
+              </a:defRPr>
+            </a:lvl5pPr>
+            <a:lvl6pPr marL="2286000" algn="l" defTabSz="914400" rtl="0" eaLnBrk="1" latinLnBrk="0" hangingPunct="1">
+              <a:defRPr sz="1800" kern="1200">
+                <a:solidFill>
+                  <a:schemeClr val="tx1"/>
+                </a:solidFill>
+                <a:latin typeface="+mn-lt"/>
+                <a:ea typeface="+mn-ea"/>
+                <a:cs typeface="+mn-cs"/>
+              </a:defRPr>
+            </a:lvl6pPr>
+            <a:lvl7pPr marL="2743200" algn="l" defTabSz="914400" rtl="0" eaLnBrk="1" latinLnBrk="0" hangingPunct="1">
+              <a:defRPr sz="1800" kern="1200">
+                <a:solidFill>
+                  <a:schemeClr val="tx1"/>
+                </a:solidFill>
+                <a:latin typeface="+mn-lt"/>
+                <a:ea typeface="+mn-ea"/>
+                <a:cs typeface="+mn-cs"/>
+              </a:defRPr>
+            </a:lvl7pPr>
+            <a:lvl8pPr marL="3200400" algn="l" defTabSz="914400" rtl="0" eaLnBrk="1" latinLnBrk="0" hangingPunct="1">
+              <a:defRPr sz="1800" kern="1200">
+                <a:solidFill>
+                  <a:schemeClr val="tx1"/>
+                </a:solidFill>
+                <a:latin typeface="+mn-lt"/>
+                <a:ea typeface="+mn-ea"/>
+                <a:cs typeface="+mn-cs"/>
+              </a:defRPr>
+            </a:lvl8pPr>
+            <a:lvl9pPr marL="3657600" algn="l" defTabSz="914400" rtl="0" eaLnBrk="1" latinLnBrk="0" hangingPunct="1">
+              <a:defRPr sz="1800" kern="1200">
+                <a:solidFill>
+                  <a:schemeClr val="tx1"/>
+                </a:solidFill>
+                <a:latin typeface="+mn-lt"/>
+                <a:ea typeface="+mn-ea"/>
+                <a:cs typeface="+mn-cs"/>
+              </a:defRPr>
+            </a:lvl9pPr>
+          </a:lstStyle>
+          <a:p>
+            <a:fld id="{9D51F9C2-B178-4162-A75A-8205C087FB59}" type="slidenum">
+              <a:rPr lang="ru-RU" sz="3200" smtClean="0">
+                <a:solidFill>
+                  <a:srgbClr val="BB8D54"/>
+                </a:solidFill>
+                <a:latin typeface="Times New Roman" panose="02020603050405020304" pitchFamily="18" charset="0"/>
+                <a:cs typeface="Times New Roman" panose="02020603050405020304" pitchFamily="18" charset="0"/>
+              </a:rPr>
+              <a:pPr/>
+              <a:t>14</a:t>
             </a:fld>
             <a:endParaRPr lang="ru-RU" sz="3200" dirty="0">
               <a:solidFill>
@@ -6937,8 +9366,8 @@
         </p:nvSpPr>
         <p:spPr>
           <a:xfrm>
-            <a:off x="180340" y="1696760"/>
-            <a:ext cx="11803113" cy="1200329"/>
+            <a:off x="0" y="1489550"/>
+            <a:ext cx="12191999" cy="2123658"/>
           </a:xfrm>
           <a:prstGeom prst="rect">
             <a:avLst/>
@@ -6956,95 +9385,48 @@
               <a:buChar char="•"/>
             </a:pPr>
             <a:r>
-              <a:rPr lang="ru-RU" sz="2400" dirty="0">
+              <a:rPr lang="ru-RU" sz="2200" dirty="0">
                 <a:latin typeface="Times New Roman" panose="02020603050405020304" pitchFamily="18" charset="0"/>
                 <a:cs typeface="Times New Roman" panose="02020603050405020304" pitchFamily="18" charset="0"/>
               </a:rPr>
-              <a:t>Глобальный сдвиг, связанный со старением населения приводит к возрастному увеличению распространённости офтальмологических заболеваний, связанных с заболевания сетчатки.</a:t>
+              <a:t>По данным Всемирной Организации Здравоохранения не менее 2.2 млрд. человек страдает различными заболевания органов зрения</a:t>
             </a:r>
-          </a:p>
-        </p:txBody>
-      </p:sp>
-      <p:sp>
-        <p:nvSpPr>
-          <p:cNvPr id="8" name="TextBox 7">
-            <a:extLst>
-              <a:ext uri="{FF2B5EF4-FFF2-40B4-BE49-F238E27FC236}">
-                <a16:creationId xmlns:a16="http://schemas.microsoft.com/office/drawing/2014/main" id="{70EAEDC7-3E81-4A4E-AB2B-5582B807FD8F}"/>
-              </a:ext>
-            </a:extLst>
-          </p:cNvPr>
-          <p:cNvSpPr txBox="1"/>
-          <p:nvPr/>
-        </p:nvSpPr>
-        <p:spPr>
-          <a:xfrm>
-            <a:off x="180340" y="3104299"/>
-            <a:ext cx="11626649" cy="830997"/>
-          </a:xfrm>
-          <a:prstGeom prst="rect">
-            <a:avLst/>
-          </a:prstGeom>
-          <a:noFill/>
-        </p:spPr>
-        <p:txBody>
-          <a:bodyPr wrap="square" rtlCol="0">
-            <a:spAutoFit/>
-          </a:bodyPr>
-          <a:lstStyle/>
+            <a:r>
+              <a:rPr lang="en-US" sz="2200" dirty="0">
+                <a:latin typeface="Times New Roman" panose="02020603050405020304" pitchFamily="18" charset="0"/>
+                <a:cs typeface="Times New Roman" panose="02020603050405020304" pitchFamily="18" charset="0"/>
+              </a:rPr>
+              <a:t>;</a:t>
+            </a:r>
+            <a:endParaRPr lang="ru-RU" sz="2200" dirty="0">
+              <a:latin typeface="Times New Roman" panose="02020603050405020304" pitchFamily="18" charset="0"/>
+              <a:cs typeface="Times New Roman" panose="02020603050405020304" pitchFamily="18" charset="0"/>
+            </a:endParaRPr>
+          </a:p>
           <a:p>
             <a:pPr marL="342900" indent="-342900" algn="just">
               <a:buFont typeface="Arial" panose="020B0604020202020204" pitchFamily="34" charset="0"/>
               <a:buChar char="•"/>
             </a:pPr>
             <a:r>
-              <a:rPr lang="ru-RU" sz="2400" dirty="0">
+              <a:rPr lang="ru-RU" sz="2200" dirty="0">
                 <a:latin typeface="Times New Roman" panose="02020603050405020304" pitchFamily="18" charset="0"/>
                 <a:cs typeface="Times New Roman" panose="02020603050405020304" pitchFamily="18" charset="0"/>
               </a:rPr>
-              <a:t>Численность людей в возрасте 60 лет и старше к 2030 году увеличится на 54% и достигнет 1.4 миллиардов.</a:t>
+              <a:t>Заметное влияние на рост количества офтальмологических заболевания оказывает возрастной сдвиг, связанный со старением населения;</a:t>
             </a:r>
           </a:p>
-        </p:txBody>
-      </p:sp>
-      <p:sp>
-        <p:nvSpPr>
-          <p:cNvPr id="9" name="TextBox 8">
-            <a:extLst>
-              <a:ext uri="{FF2B5EF4-FFF2-40B4-BE49-F238E27FC236}">
-                <a16:creationId xmlns:a16="http://schemas.microsoft.com/office/drawing/2014/main" id="{221E01CD-5453-4696-95F8-BECCFF6AF000}"/>
-              </a:ext>
-            </a:extLst>
-          </p:cNvPr>
-          <p:cNvSpPr txBox="1"/>
-          <p:nvPr/>
-        </p:nvSpPr>
-        <p:spPr>
-          <a:xfrm>
-            <a:off x="180339" y="4138188"/>
-            <a:ext cx="11626649" cy="830997"/>
-          </a:xfrm>
-          <a:prstGeom prst="rect">
-            <a:avLst/>
-          </a:prstGeom>
-          <a:noFill/>
-        </p:spPr>
-        <p:txBody>
-          <a:bodyPr wrap="square" rtlCol="0">
-            <a:spAutoFit/>
-          </a:bodyPr>
-          <a:lstStyle/>
           <a:p>
             <a:pPr marL="342900" indent="-342900" algn="just">
               <a:buFont typeface="Arial" panose="020B0604020202020204" pitchFamily="34" charset="0"/>
               <a:buChar char="•"/>
             </a:pPr>
             <a:r>
-              <a:rPr lang="ru-RU" sz="2400" dirty="0">
+              <a:rPr lang="ru-RU" sz="2200" dirty="0">
                 <a:latin typeface="Times New Roman" panose="02020603050405020304" pitchFamily="18" charset="0"/>
                 <a:cs typeface="Times New Roman" panose="02020603050405020304" pitchFamily="18" charset="0"/>
               </a:rPr>
-              <a:t>Своевременная диагностика заболеваний сетчатки способная предотвратить до 80% случаев потери зрения.</a:t>
+              <a:t>К 2030 численность людей в возрасте 60 лет и старше году увеличится на 54% и достигнет 1.4 миллиардов.</a:t>
             </a:r>
           </a:p>
         </p:txBody>
@@ -7095,6 +9477,62 @@
           </a:p>
         </p:txBody>
       </p:sp>
+      <p:graphicFrame>
+        <p:nvGraphicFramePr>
+          <p:cNvPr id="4" name="Диаграмма 3">
+            <a:extLst>
+              <a:ext uri="{FF2B5EF4-FFF2-40B4-BE49-F238E27FC236}">
+                <a16:creationId xmlns:a16="http://schemas.microsoft.com/office/drawing/2014/main" id="{D0024A73-C9E1-41B0-822A-F77823188875}"/>
+              </a:ext>
+            </a:extLst>
+          </p:cNvPr>
+          <p:cNvGraphicFramePr/>
+          <p:nvPr>
+            <p:extLst>
+              <p:ext uri="{D42A27DB-BD31-4B8C-83A1-F6EECF244321}">
+                <p14:modId xmlns:p14="http://schemas.microsoft.com/office/powerpoint/2010/main" val="3900303778"/>
+              </p:ext>
+            </p:extLst>
+          </p:nvPr>
+        </p:nvGraphicFramePr>
+        <p:xfrm>
+          <a:off x="1386566" y="3433591"/>
+          <a:ext cx="4894490" cy="3366960"/>
+        </p:xfrm>
+        <a:graphic>
+          <a:graphicData uri="http://schemas.openxmlformats.org/drawingml/2006/chart">
+            <c:chart xmlns:c="http://schemas.openxmlformats.org/drawingml/2006/chart" xmlns:r="http://schemas.openxmlformats.org/officeDocument/2006/relationships" r:id="rId3"/>
+          </a:graphicData>
+        </a:graphic>
+      </p:graphicFrame>
+      <p:graphicFrame>
+        <p:nvGraphicFramePr>
+          <p:cNvPr id="19" name="Диаграмма 18">
+            <a:extLst>
+              <a:ext uri="{FF2B5EF4-FFF2-40B4-BE49-F238E27FC236}">
+                <a16:creationId xmlns:a16="http://schemas.microsoft.com/office/drawing/2014/main" id="{B12BEDBF-4422-4EC0-978F-644F414E8FE7}"/>
+              </a:ext>
+            </a:extLst>
+          </p:cNvPr>
+          <p:cNvGraphicFramePr/>
+          <p:nvPr>
+            <p:extLst>
+              <p:ext uri="{D42A27DB-BD31-4B8C-83A1-F6EECF244321}">
+                <p14:modId xmlns:p14="http://schemas.microsoft.com/office/powerpoint/2010/main" val="1747075342"/>
+              </p:ext>
+            </p:extLst>
+          </p:nvPr>
+        </p:nvGraphicFramePr>
+        <p:xfrm>
+          <a:off x="5849257" y="3429000"/>
+          <a:ext cx="5016500" cy="3366960"/>
+        </p:xfrm>
+        <a:graphic>
+          <a:graphicData uri="http://schemas.openxmlformats.org/drawingml/2006/chart">
+            <c:chart xmlns:c="http://schemas.openxmlformats.org/drawingml/2006/chart" xmlns:r="http://schemas.openxmlformats.org/officeDocument/2006/relationships" r:id="rId4"/>
+          </a:graphicData>
+        </a:graphic>
+      </p:graphicFrame>
     </p:spTree>
     <p:extLst>
       <p:ext uri="{BB962C8B-B14F-4D97-AF65-F5344CB8AC3E}">
@@ -7758,8 +10196,8 @@
         </p:blipFill>
         <p:spPr bwMode="auto">
           <a:xfrm>
-            <a:off x="2127542" y="1489550"/>
-            <a:ext cx="7936916" cy="4981509"/>
+            <a:off x="2666177" y="1696760"/>
+            <a:ext cx="6859644" cy="4468040"/>
           </a:xfrm>
           <a:prstGeom prst="rect">
             <a:avLst/>
@@ -7911,6 +10349,44 @@
               <a:latin typeface="Times New Roman" panose="02020603050405020304" pitchFamily="18" charset="0"/>
               <a:cs typeface="Times New Roman" panose="02020603050405020304" pitchFamily="18" charset="0"/>
             </a:endParaRPr>
+          </a:p>
+        </p:txBody>
+      </p:sp>
+      <p:sp>
+        <p:nvSpPr>
+          <p:cNvPr id="2" name="TextBox 1">
+            <a:extLst>
+              <a:ext uri="{FF2B5EF4-FFF2-40B4-BE49-F238E27FC236}">
+                <a16:creationId xmlns:a16="http://schemas.microsoft.com/office/drawing/2014/main" id="{A26BB81D-8CCD-40BF-BDDB-D36A9310A09B}"/>
+              </a:ext>
+            </a:extLst>
+          </p:cNvPr>
+          <p:cNvSpPr txBox="1"/>
+          <p:nvPr/>
+        </p:nvSpPr>
+        <p:spPr>
+          <a:xfrm>
+            <a:off x="4179673" y="6245742"/>
+            <a:ext cx="3832652" cy="369332"/>
+          </a:xfrm>
+          <a:prstGeom prst="rect">
+            <a:avLst/>
+          </a:prstGeom>
+          <a:noFill/>
+        </p:spPr>
+        <p:txBody>
+          <a:bodyPr wrap="none" rtlCol="0">
+            <a:spAutoFit/>
+          </a:bodyPr>
+          <a:lstStyle/>
+          <a:p>
+            <a:r>
+              <a:rPr lang="ru-RU" dirty="0">
+                <a:latin typeface="Times New Roman" panose="02020603050405020304" pitchFamily="18" charset="0"/>
+                <a:cs typeface="Times New Roman" panose="02020603050405020304" pitchFamily="18" charset="0"/>
+              </a:rPr>
+              <a:t>Рисунок 1 – Биотехническая система</a:t>
+            </a:r>
           </a:p>
         </p:txBody>
       </p:sp>
@@ -8251,8 +10727,8 @@
         </p:blipFill>
         <p:spPr>
           <a:xfrm>
-            <a:off x="350598" y="2720656"/>
-            <a:ext cx="11498502" cy="1926388"/>
+            <a:off x="431694" y="2183623"/>
+            <a:ext cx="11328611" cy="1897926"/>
           </a:xfrm>
           <a:prstGeom prst="rect">
             <a:avLst/>
@@ -8273,8 +10749,8 @@
         </p:nvSpPr>
         <p:spPr>
           <a:xfrm>
-            <a:off x="4245429" y="4462378"/>
-            <a:ext cx="3701141" cy="369332"/>
+            <a:off x="5360285" y="3712217"/>
+            <a:ext cx="4819781" cy="369332"/>
           </a:xfrm>
           <a:prstGeom prst="rect">
             <a:avLst/>
@@ -8293,7 +10769,81 @@
                 <a:latin typeface="Times New Roman" panose="02020603050405020304" pitchFamily="18" charset="0"/>
                 <a:cs typeface="Times New Roman" panose="02020603050405020304" pitchFamily="18" charset="0"/>
               </a:rPr>
-              <a:t>Блок-схема модуля предобработки</a:t>
+              <a:t>Рисунок 2 – Блок-схема модуля предобработки</a:t>
+            </a:r>
+          </a:p>
+        </p:txBody>
+      </p:sp>
+      <p:pic>
+        <p:nvPicPr>
+          <p:cNvPr id="17" name="Рисунок 16">
+            <a:extLst>
+              <a:ext uri="{FF2B5EF4-FFF2-40B4-BE49-F238E27FC236}">
+                <a16:creationId xmlns:a16="http://schemas.microsoft.com/office/drawing/2014/main" id="{BE4184CC-5F47-457B-999E-5A7E11B251D3}"/>
+              </a:ext>
+            </a:extLst>
+          </p:cNvPr>
+          <p:cNvPicPr>
+            <a:picLocks noChangeAspect="1"/>
+          </p:cNvPicPr>
+          <p:nvPr/>
+        </p:nvPicPr>
+        <p:blipFill rotWithShape="1">
+          <a:blip r:embed="rId4">
+            <a:extLst>
+              <a:ext uri="{28A0092B-C50C-407E-A947-70E740481C1C}">
+                <a14:useLocalDpi xmlns:a14="http://schemas.microsoft.com/office/drawing/2010/main" val="0"/>
+              </a:ext>
+            </a:extLst>
+          </a:blip>
+          <a:srcRect t="14934"/>
+          <a:stretch/>
+        </p:blipFill>
+        <p:spPr>
+          <a:xfrm>
+            <a:off x="431694" y="3853641"/>
+            <a:ext cx="3348352" cy="2759294"/>
+          </a:xfrm>
+          <a:prstGeom prst="rect">
+            <a:avLst/>
+          </a:prstGeom>
+        </p:spPr>
+      </p:pic>
+      <p:sp>
+        <p:nvSpPr>
+          <p:cNvPr id="19" name="TextBox 18">
+            <a:extLst>
+              <a:ext uri="{FF2B5EF4-FFF2-40B4-BE49-F238E27FC236}">
+                <a16:creationId xmlns:a16="http://schemas.microsoft.com/office/drawing/2014/main" id="{1F565D8F-DC46-4558-BBA7-2E78F24F12A1}"/>
+              </a:ext>
+            </a:extLst>
+          </p:cNvPr>
+          <p:cNvSpPr txBox="1"/>
+          <p:nvPr/>
+        </p:nvSpPr>
+        <p:spPr>
+          <a:xfrm>
+            <a:off x="3874873" y="5953225"/>
+            <a:ext cx="3895302" cy="646331"/>
+          </a:xfrm>
+          <a:prstGeom prst="rect">
+            <a:avLst/>
+          </a:prstGeom>
+          <a:noFill/>
+        </p:spPr>
+        <p:txBody>
+          <a:bodyPr wrap="square" rtlCol="0">
+            <a:spAutoFit/>
+          </a:bodyPr>
+          <a:lstStyle/>
+          <a:p>
+            <a:pPr algn="just"/>
+            <a:r>
+              <a:rPr lang="ru-RU" dirty="0">
+                <a:latin typeface="Times New Roman" panose="02020603050405020304" pitchFamily="18" charset="0"/>
+                <a:cs typeface="Times New Roman" panose="02020603050405020304" pitchFamily="18" charset="0"/>
+              </a:rPr>
+              <a:t>Рисунок 3 – Пример изображения, подаваемого на вход</a:t>
             </a:r>
           </a:p>
         </p:txBody>
@@ -9223,6 +11773,44 @@
                 <a:cs typeface="Times New Roman" panose="02020603050405020304" pitchFamily="18" charset="0"/>
               </a:rPr>
               <a:t>Объединение контуров и выделение фрагмента изображения</a:t>
+            </a:r>
+          </a:p>
+        </p:txBody>
+      </p:sp>
+      <p:sp>
+        <p:nvSpPr>
+          <p:cNvPr id="2" name="TextBox 1">
+            <a:extLst>
+              <a:ext uri="{FF2B5EF4-FFF2-40B4-BE49-F238E27FC236}">
+                <a16:creationId xmlns:a16="http://schemas.microsoft.com/office/drawing/2014/main" id="{753A87B9-59E3-4A41-99B1-0AB04A444212}"/>
+              </a:ext>
+            </a:extLst>
+          </p:cNvPr>
+          <p:cNvSpPr txBox="1"/>
+          <p:nvPr/>
+        </p:nvSpPr>
+        <p:spPr>
+          <a:xfrm>
+            <a:off x="6625325" y="6198479"/>
+            <a:ext cx="5334794" cy="369332"/>
+          </a:xfrm>
+          <a:prstGeom prst="rect">
+            <a:avLst/>
+          </a:prstGeom>
+          <a:noFill/>
+        </p:spPr>
+        <p:txBody>
+          <a:bodyPr wrap="none" rtlCol="0">
+            <a:spAutoFit/>
+          </a:bodyPr>
+          <a:lstStyle/>
+          <a:p>
+            <a:r>
+              <a:rPr lang="ru-RU" dirty="0">
+                <a:latin typeface="Times New Roman" panose="02020603050405020304" pitchFamily="18" charset="0"/>
+                <a:cs typeface="Times New Roman" panose="02020603050405020304" pitchFamily="18" charset="0"/>
+              </a:rPr>
+              <a:t>Рисунок 4 – Визуализация процесса предобработки</a:t>
             </a:r>
           </a:p>
         </p:txBody>
@@ -10966,7 +13554,7 @@
         </p:nvSpPr>
         <p:spPr>
           <a:xfrm>
-            <a:off x="180340" y="1555082"/>
+            <a:off x="180340" y="1643523"/>
             <a:ext cx="10135980" cy="369332"/>
           </a:xfrm>
           <a:prstGeom prst="rect">
@@ -11042,6 +13630,44 @@
                 <a:cs typeface="Times New Roman" panose="02020603050405020304" pitchFamily="18" charset="0"/>
               </a:rPr>
               <a:t>Выделяемые патологии:</a:t>
+            </a:r>
+          </a:p>
+        </p:txBody>
+      </p:sp>
+      <p:sp>
+        <p:nvSpPr>
+          <p:cNvPr id="39" name="TextBox 38">
+            <a:extLst>
+              <a:ext uri="{FF2B5EF4-FFF2-40B4-BE49-F238E27FC236}">
+                <a16:creationId xmlns:a16="http://schemas.microsoft.com/office/drawing/2014/main" id="{8FB5B72F-E6D4-4AF0-8F18-63F3CF667285}"/>
+              </a:ext>
+            </a:extLst>
+          </p:cNvPr>
+          <p:cNvSpPr txBox="1"/>
+          <p:nvPr/>
+        </p:nvSpPr>
+        <p:spPr>
+          <a:xfrm>
+            <a:off x="3802050" y="5914462"/>
+            <a:ext cx="4696607" cy="369332"/>
+          </a:xfrm>
+          <a:prstGeom prst="rect">
+            <a:avLst/>
+          </a:prstGeom>
+          <a:noFill/>
+        </p:spPr>
+        <p:txBody>
+          <a:bodyPr wrap="none" rtlCol="0">
+            <a:spAutoFit/>
+          </a:bodyPr>
+          <a:lstStyle/>
+          <a:p>
+            <a:r>
+              <a:rPr lang="ru-RU" dirty="0">
+                <a:latin typeface="Times New Roman" panose="02020603050405020304" pitchFamily="18" charset="0"/>
+                <a:cs typeface="Times New Roman" panose="02020603050405020304" pitchFamily="18" charset="0"/>
+              </a:rPr>
+              <a:t>Рисунок 5 – Выделяемые патологии сетчатки</a:t>
             </a:r>
           </a:p>
         </p:txBody>
@@ -11230,7 +13856,7 @@
         </p:blipFill>
         <p:spPr bwMode="auto">
           <a:xfrm>
-            <a:off x="5862227" y="1697724"/>
+            <a:off x="5862227" y="1601840"/>
             <a:ext cx="5461985" cy="2111350"/>
           </a:xfrm>
           <a:prstGeom prst="rect">
@@ -11265,7 +13891,7 @@
         </p:blipFill>
         <p:spPr bwMode="auto">
           <a:xfrm>
-            <a:off x="5862227" y="4190245"/>
+            <a:off x="5862227" y="4094361"/>
             <a:ext cx="5461985" cy="2083082"/>
           </a:xfrm>
           <a:prstGeom prst="rect">
@@ -11296,13 +13922,13 @@
           <p:nvPr>
             <p:extLst>
               <p:ext uri="{D42A27DB-BD31-4B8C-83A1-F6EECF244321}">
-                <p14:modId xmlns:p14="http://schemas.microsoft.com/office/powerpoint/2010/main" val="1457509552"/>
+                <p14:modId xmlns:p14="http://schemas.microsoft.com/office/powerpoint/2010/main" val="1049060676"/>
               </p:ext>
             </p:extLst>
           </p:nvPr>
         </p:nvGraphicFramePr>
         <p:xfrm>
-          <a:off x="867788" y="1697724"/>
+          <a:off x="867788" y="1601840"/>
           <a:ext cx="4007395" cy="4587240"/>
         </p:xfrm>
         <a:graphic>
@@ -11397,7 +14023,7 @@
                           <a:latin typeface="Times New Roman" panose="02020603050405020304" pitchFamily="18" charset="0"/>
                           <a:cs typeface="Times New Roman" panose="02020603050405020304" pitchFamily="18" charset="0"/>
                         </a:rPr>
-                        <a:t>399</a:t>
+                        <a:t>400</a:t>
                       </a:r>
                     </a:p>
                   </a:txBody>
@@ -11807,7 +14433,7 @@
         </p:nvSpPr>
         <p:spPr>
           <a:xfrm>
-            <a:off x="5862227" y="3776015"/>
+            <a:off x="5862227" y="3680131"/>
             <a:ext cx="5461985" cy="369332"/>
           </a:xfrm>
           <a:prstGeom prst="rect">
@@ -11827,7 +14453,7 @@
                 <a:latin typeface="Times New Roman" panose="02020603050405020304" pitchFamily="18" charset="0"/>
                 <a:cs typeface="Times New Roman" panose="02020603050405020304" pitchFamily="18" charset="0"/>
               </a:rPr>
-              <a:t>Начальное изображение</a:t>
+              <a:t>Рисунок 6 – Начальное изображение</a:t>
             </a:r>
           </a:p>
         </p:txBody>
@@ -11846,7 +14472,7 @@
         </p:nvSpPr>
         <p:spPr>
           <a:xfrm>
-            <a:off x="5862227" y="6207208"/>
+            <a:off x="5862227" y="6122961"/>
             <a:ext cx="5461985" cy="369332"/>
           </a:xfrm>
           <a:prstGeom prst="rect">
@@ -11866,8 +14492,57 @@
                 <a:latin typeface="Times New Roman" panose="02020603050405020304" pitchFamily="18" charset="0"/>
                 <a:cs typeface="Times New Roman" panose="02020603050405020304" pitchFamily="18" charset="0"/>
               </a:rPr>
-              <a:t>Аннотированное изображение</a:t>
+              <a:t>Рисунок 7 – Аннотированное изображение</a:t>
             </a:r>
+          </a:p>
+        </p:txBody>
+      </p:sp>
+      <p:sp>
+        <p:nvSpPr>
+          <p:cNvPr id="3" name="TextBox 2">
+            <a:extLst>
+              <a:ext uri="{FF2B5EF4-FFF2-40B4-BE49-F238E27FC236}">
+                <a16:creationId xmlns:a16="http://schemas.microsoft.com/office/drawing/2014/main" id="{92FDE056-81FA-41B3-9298-93E0482AE228}"/>
+              </a:ext>
+            </a:extLst>
+          </p:cNvPr>
+          <p:cNvSpPr txBox="1"/>
+          <p:nvPr/>
+        </p:nvSpPr>
+        <p:spPr>
+          <a:xfrm>
+            <a:off x="867788" y="6122961"/>
+            <a:ext cx="4799588" cy="646331"/>
+          </a:xfrm>
+          <a:prstGeom prst="rect">
+            <a:avLst/>
+          </a:prstGeom>
+          <a:noFill/>
+        </p:spPr>
+        <p:txBody>
+          <a:bodyPr wrap="square" rtlCol="0">
+            <a:spAutoFit/>
+          </a:bodyPr>
+          <a:lstStyle/>
+          <a:p>
+            <a:r>
+              <a:rPr lang="ru-RU" dirty="0">
+                <a:latin typeface="Times New Roman" panose="02020603050405020304" pitchFamily="18" charset="0"/>
+                <a:cs typeface="Times New Roman" panose="02020603050405020304" pitchFamily="18" charset="0"/>
+              </a:rPr>
+              <a:t>Таблица 1 – Содержание сформированного </a:t>
+            </a:r>
+            <a:r>
+              <a:rPr lang="ru-RU" dirty="0" err="1">
+                <a:latin typeface="Times New Roman" panose="02020603050405020304" pitchFamily="18" charset="0"/>
+                <a:cs typeface="Times New Roman" panose="02020603050405020304" pitchFamily="18" charset="0"/>
+              </a:rPr>
+              <a:t>датасета</a:t>
+            </a:r>
+            <a:endParaRPr lang="ru-RU" dirty="0">
+              <a:latin typeface="Times New Roman" panose="02020603050405020304" pitchFamily="18" charset="0"/>
+              <a:cs typeface="Times New Roman" panose="02020603050405020304" pitchFamily="18" charset="0"/>
+            </a:endParaRPr>
           </a:p>
         </p:txBody>
       </p:sp>
@@ -12056,8 +14731,8 @@
         </p:blipFill>
         <p:spPr>
           <a:xfrm>
-            <a:off x="4114069" y="1809550"/>
-            <a:ext cx="7735031" cy="3780573"/>
+            <a:off x="5606361" y="2156233"/>
+            <a:ext cx="6242739" cy="3051200"/>
           </a:xfrm>
           <a:prstGeom prst="rect">
             <a:avLst/>
@@ -12210,10 +14885,10 @@
       </p:sp>
       <p:sp>
         <p:nvSpPr>
-          <p:cNvPr id="3" name="TextBox 2">
-            <a:extLst>
-              <a:ext uri="{FF2B5EF4-FFF2-40B4-BE49-F238E27FC236}">
-                <a16:creationId xmlns:a16="http://schemas.microsoft.com/office/drawing/2014/main" id="{7D8B31C7-C0C5-4EAA-A60E-8E21DA8681A0}"/>
+          <p:cNvPr id="12" name="TextBox 11">
+            <a:extLst>
+              <a:ext uri="{FF2B5EF4-FFF2-40B4-BE49-F238E27FC236}">
+                <a16:creationId xmlns:a16="http://schemas.microsoft.com/office/drawing/2014/main" id="{348279AE-C225-4270-8713-6F342D70029D}"/>
               </a:ext>
             </a:extLst>
           </p:cNvPr>
@@ -12222,209 +14897,8 @@
         </p:nvSpPr>
         <p:spPr>
           <a:xfrm>
-            <a:off x="195353" y="1809550"/>
-            <a:ext cx="2933752" cy="1754326"/>
-          </a:xfrm>
-          <a:prstGeom prst="rect">
-            <a:avLst/>
-          </a:prstGeom>
-          <a:noFill/>
-        </p:spPr>
-        <p:txBody>
-          <a:bodyPr wrap="none" rtlCol="0">
-            <a:spAutoFit/>
-          </a:bodyPr>
-          <a:lstStyle/>
-          <a:p>
-            <a:r>
-              <a:rPr lang="ru-RU" dirty="0">
-                <a:latin typeface="Times New Roman" panose="02020603050405020304" pitchFamily="18" charset="0"/>
-                <a:cs typeface="Times New Roman" panose="02020603050405020304" pitchFamily="18" charset="0"/>
-              </a:rPr>
-              <a:t>Протестированные модели:</a:t>
-            </a:r>
-          </a:p>
-          <a:p>
-            <a:pPr marL="285750" indent="-285750">
-              <a:buFont typeface="Arial" panose="020B0604020202020204" pitchFamily="34" charset="0"/>
-              <a:buChar char="•"/>
-            </a:pPr>
-            <a:r>
-              <a:rPr lang="en-US" dirty="0">
-                <a:latin typeface="Times New Roman" panose="02020603050405020304" pitchFamily="18" charset="0"/>
-                <a:cs typeface="Times New Roman" panose="02020603050405020304" pitchFamily="18" charset="0"/>
-              </a:rPr>
-              <a:t>SAM2</a:t>
-            </a:r>
-          </a:p>
-          <a:p>
-            <a:pPr marL="285750" indent="-285750">
-              <a:buFont typeface="Arial" panose="020B0604020202020204" pitchFamily="34" charset="0"/>
-              <a:buChar char="•"/>
-            </a:pPr>
-            <a:r>
-              <a:rPr lang="en-US" dirty="0">
-                <a:latin typeface="Times New Roman" panose="02020603050405020304" pitchFamily="18" charset="0"/>
-                <a:cs typeface="Times New Roman" panose="02020603050405020304" pitchFamily="18" charset="0"/>
-              </a:rPr>
-              <a:t>YOLOv11-seg</a:t>
-            </a:r>
-          </a:p>
-          <a:p>
-            <a:pPr marL="285750" indent="-285750">
-              <a:buFont typeface="Arial" panose="020B0604020202020204" pitchFamily="34" charset="0"/>
-              <a:buChar char="•"/>
-            </a:pPr>
-            <a:r>
-              <a:rPr lang="en-US" dirty="0">
-                <a:latin typeface="Times New Roman" panose="02020603050405020304" pitchFamily="18" charset="0"/>
-                <a:cs typeface="Times New Roman" panose="02020603050405020304" pitchFamily="18" charset="0"/>
-              </a:rPr>
-              <a:t>YOLOv9c-seg</a:t>
-            </a:r>
-          </a:p>
-          <a:p>
-            <a:pPr marL="285750" indent="-285750">
-              <a:buFont typeface="Arial" panose="020B0604020202020204" pitchFamily="34" charset="0"/>
-              <a:buChar char="•"/>
-            </a:pPr>
-            <a:r>
-              <a:rPr lang="en-US" dirty="0">
-                <a:latin typeface="Times New Roman" panose="02020603050405020304" pitchFamily="18" charset="0"/>
-                <a:cs typeface="Times New Roman" panose="02020603050405020304" pitchFamily="18" charset="0"/>
-              </a:rPr>
-              <a:t>YOLOv12-seg</a:t>
-            </a:r>
-          </a:p>
-          <a:p>
-            <a:pPr marL="285750" indent="-285750">
-              <a:buFont typeface="Arial" panose="020B0604020202020204" pitchFamily="34" charset="0"/>
-              <a:buChar char="•"/>
-            </a:pPr>
-            <a:r>
-              <a:rPr lang="en-US" dirty="0">
-                <a:latin typeface="Times New Roman" panose="02020603050405020304" pitchFamily="18" charset="0"/>
-                <a:cs typeface="Times New Roman" panose="02020603050405020304" pitchFamily="18" charset="0"/>
-              </a:rPr>
-              <a:t>DeepLabV3+</a:t>
-            </a:r>
-            <a:endParaRPr lang="ru-RU" dirty="0">
-              <a:latin typeface="Times New Roman" panose="02020603050405020304" pitchFamily="18" charset="0"/>
-              <a:cs typeface="Times New Roman" panose="02020603050405020304" pitchFamily="18" charset="0"/>
-            </a:endParaRPr>
-          </a:p>
-        </p:txBody>
-      </p:sp>
-      <p:sp>
-        <p:nvSpPr>
-          <p:cNvPr id="9" name="TextBox 8">
-            <a:extLst>
-              <a:ext uri="{FF2B5EF4-FFF2-40B4-BE49-F238E27FC236}">
-                <a16:creationId xmlns:a16="http://schemas.microsoft.com/office/drawing/2014/main" id="{D6523AB8-95CA-49EC-B285-C2464960D81D}"/>
-              </a:ext>
-            </a:extLst>
-          </p:cNvPr>
-          <p:cNvSpPr txBox="1"/>
-          <p:nvPr/>
-        </p:nvSpPr>
-        <p:spPr>
-          <a:xfrm>
-            <a:off x="180340" y="3699836"/>
-            <a:ext cx="2576154" cy="1477328"/>
-          </a:xfrm>
-          <a:prstGeom prst="rect">
-            <a:avLst/>
-          </a:prstGeom>
-          <a:noFill/>
-        </p:spPr>
-        <p:txBody>
-          <a:bodyPr wrap="none" rtlCol="0">
-            <a:spAutoFit/>
-          </a:bodyPr>
-          <a:lstStyle/>
-          <a:p>
-            <a:r>
-              <a:rPr lang="ru-RU" dirty="0">
-                <a:latin typeface="Times New Roman" panose="02020603050405020304" pitchFamily="18" charset="0"/>
-                <a:cs typeface="Times New Roman" panose="02020603050405020304" pitchFamily="18" charset="0"/>
-              </a:rPr>
-              <a:t>Сравниваемые метрики:</a:t>
-            </a:r>
-          </a:p>
-          <a:p>
-            <a:pPr marL="285750" indent="-285750">
-              <a:buFont typeface="Arial" panose="020B0604020202020204" pitchFamily="34" charset="0"/>
-              <a:buChar char="•"/>
-            </a:pPr>
-            <a:r>
-              <a:rPr lang="en-US" dirty="0">
-                <a:latin typeface="Times New Roman" panose="02020603050405020304" pitchFamily="18" charset="0"/>
-                <a:cs typeface="Times New Roman" panose="02020603050405020304" pitchFamily="18" charset="0"/>
-              </a:rPr>
-              <a:t>Dice</a:t>
-            </a:r>
-          </a:p>
-          <a:p>
-            <a:pPr marL="285750" indent="-285750">
-              <a:buFont typeface="Arial" panose="020B0604020202020204" pitchFamily="34" charset="0"/>
-              <a:buChar char="•"/>
-            </a:pPr>
-            <a:r>
-              <a:rPr lang="en-US" dirty="0">
-                <a:latin typeface="Times New Roman" panose="02020603050405020304" pitchFamily="18" charset="0"/>
-                <a:cs typeface="Times New Roman" panose="02020603050405020304" pitchFamily="18" charset="0"/>
-              </a:rPr>
-              <a:t>Precision</a:t>
-            </a:r>
-          </a:p>
-          <a:p>
-            <a:pPr marL="285750" indent="-285750">
-              <a:buFont typeface="Arial" panose="020B0604020202020204" pitchFamily="34" charset="0"/>
-              <a:buChar char="•"/>
-            </a:pPr>
-            <a:r>
-              <a:rPr lang="en-US" dirty="0">
-                <a:latin typeface="Times New Roman" panose="02020603050405020304" pitchFamily="18" charset="0"/>
-                <a:cs typeface="Times New Roman" panose="02020603050405020304" pitchFamily="18" charset="0"/>
-              </a:rPr>
-              <a:t>Recall</a:t>
-            </a:r>
-          </a:p>
-          <a:p>
-            <a:pPr marL="285750" indent="-285750">
-              <a:buFont typeface="Arial" panose="020B0604020202020204" pitchFamily="34" charset="0"/>
-              <a:buChar char="•"/>
-            </a:pPr>
-            <a:r>
-              <a:rPr lang="en-US" dirty="0">
-                <a:latin typeface="Times New Roman" panose="02020603050405020304" pitchFamily="18" charset="0"/>
-                <a:cs typeface="Times New Roman" panose="02020603050405020304" pitchFamily="18" charset="0"/>
-              </a:rPr>
-              <a:t>mAP@0.5</a:t>
-            </a:r>
-            <a:endParaRPr lang="ru-RU" dirty="0">
-              <a:latin typeface="Times New Roman" panose="02020603050405020304" pitchFamily="18" charset="0"/>
-              <a:cs typeface="Times New Roman" panose="02020603050405020304" pitchFamily="18" charset="0"/>
-            </a:endParaRPr>
-          </a:p>
-        </p:txBody>
-      </p:sp>
-      <p:sp>
-        <p:nvSpPr>
-          <p:cNvPr id="12" name="TextBox 11">
-            <a:extLst>
-              <a:ext uri="{FF2B5EF4-FFF2-40B4-BE49-F238E27FC236}">
-                <a16:creationId xmlns:a16="http://schemas.microsoft.com/office/drawing/2014/main" id="{348279AE-C225-4270-8713-6F342D70029D}"/>
-              </a:ext>
-            </a:extLst>
-          </p:cNvPr>
-          <p:cNvSpPr txBox="1"/>
-          <p:nvPr/>
-        </p:nvSpPr>
-        <p:spPr>
-          <a:xfrm>
-            <a:off x="4114069" y="5583893"/>
-            <a:ext cx="7735031" cy="369332"/>
+            <a:off x="6050859" y="5131665"/>
+            <a:ext cx="5413083" cy="646331"/>
           </a:xfrm>
           <a:prstGeom prst="rect">
             <a:avLst/>
@@ -12443,7 +14917,74 @@
                 <a:latin typeface="Times New Roman" panose="02020603050405020304" pitchFamily="18" charset="0"/>
                 <a:cs typeface="Times New Roman" panose="02020603050405020304" pitchFamily="18" charset="0"/>
               </a:rPr>
-              <a:t>График сравнения метрик рассматриваемых моделей нейронных сетей</a:t>
+              <a:t>Рисунок 9 – График сравнения метрик рассматриваемых моделей нейронных сетей</a:t>
+            </a:r>
+          </a:p>
+        </p:txBody>
+      </p:sp>
+      <p:pic>
+        <p:nvPicPr>
+          <p:cNvPr id="13" name="Рисунок 12">
+            <a:extLst>
+              <a:ext uri="{FF2B5EF4-FFF2-40B4-BE49-F238E27FC236}">
+                <a16:creationId xmlns:a16="http://schemas.microsoft.com/office/drawing/2014/main" id="{2921BA18-8A92-41E5-87DD-659148CF746B}"/>
+              </a:ext>
+            </a:extLst>
+          </p:cNvPr>
+          <p:cNvPicPr/>
+          <p:nvPr/>
+        </p:nvPicPr>
+        <p:blipFill>
+          <a:blip r:embed="rId4"/>
+          <a:stretch>
+            <a:fillRect/>
+          </a:stretch>
+        </p:blipFill>
+        <p:spPr>
+          <a:xfrm>
+            <a:off x="353870" y="2156233"/>
+            <a:ext cx="5081742" cy="3051200"/>
+          </a:xfrm>
+          <a:prstGeom prst="rect">
+            <a:avLst/>
+          </a:prstGeom>
+        </p:spPr>
+      </p:pic>
+      <p:sp>
+        <p:nvSpPr>
+          <p:cNvPr id="14" name="TextBox 13">
+            <a:extLst>
+              <a:ext uri="{FF2B5EF4-FFF2-40B4-BE49-F238E27FC236}">
+                <a16:creationId xmlns:a16="http://schemas.microsoft.com/office/drawing/2014/main" id="{0F8F4B5C-9376-4259-B4BA-C6F48B6F3F1C}"/>
+              </a:ext>
+            </a:extLst>
+          </p:cNvPr>
+          <p:cNvSpPr txBox="1"/>
+          <p:nvPr/>
+        </p:nvSpPr>
+        <p:spPr>
+          <a:xfrm>
+            <a:off x="188199" y="5131665"/>
+            <a:ext cx="5413083" cy="646331"/>
+          </a:xfrm>
+          <a:prstGeom prst="rect">
+            <a:avLst/>
+          </a:prstGeom>
+          <a:noFill/>
+        </p:spPr>
+        <p:txBody>
+          <a:bodyPr wrap="square" rtlCol="0">
+            <a:spAutoFit/>
+          </a:bodyPr>
+          <a:lstStyle/>
+          <a:p>
+            <a:pPr algn="ctr"/>
+            <a:r>
+              <a:rPr lang="ru-RU" dirty="0">
+                <a:latin typeface="Times New Roman" panose="02020603050405020304" pitchFamily="18" charset="0"/>
+                <a:cs typeface="Times New Roman" panose="02020603050405020304" pitchFamily="18" charset="0"/>
+              </a:rPr>
+              <a:t>Рисунок 8 – График функция потерь рассматриваемых моделей нейронных сетей</a:t>
             </a:r>
           </a:p>
         </p:txBody>
